--- a/optimization-methods-for-artificial-intelligence/optimization-linear-programming.pptx
+++ b/optimization-methods-for-artificial-intelligence/optimization-linear-programming.pptx
@@ -7,6 +7,11 @@
   <p:sldIdLst>
     <p:sldId id="257" r:id="rId2"/>
     <p:sldId id="258" r:id="rId3"/>
+    <p:sldId id="260" r:id="rId4"/>
+    <p:sldId id="262" r:id="rId5"/>
+    <p:sldId id="259" r:id="rId6"/>
+    <p:sldId id="261" r:id="rId7"/>
+    <p:sldId id="269" r:id="rId8"/>
   </p:sldIdLst>
   <p:sldSz cx="12192000" cy="6858000"/>
   <p:notesSz cx="6858000" cy="9144000"/>
@@ -1395,16 +1400,7 @@
                 </a:solidFill>
                 <a:latin typeface="+mn-lt"/>
               </a:rPr>
-              <a:t>TITLE OF THE PRESENTATION HERE (MODIFY IN VIEW -&gt; MASK</a:t>
-            </a:r>
-            <a:r>
-              <a:rPr lang="it-IT" sz="1000" baseline="0" dirty="0">
-                <a:solidFill>
-                  <a:srgbClr val="275662"/>
-                </a:solidFill>
-                <a:latin typeface="+mn-lt"/>
-              </a:rPr>
-              <a:t> / AFFICHAGE -&gt; MASQUE DE DIAPOSITIVES) </a:t>
+              <a:t>Constrained optimization and linear programming</a:t>
             </a:r>
             <a:endParaRPr lang="fr-FR" sz="1000" dirty="0">
               <a:solidFill>
@@ -1814,7 +1810,12 @@
             <p:ph type="ctrTitle"/>
           </p:nvPr>
         </p:nvSpPr>
-        <p:spPr/>
+        <p:spPr>
+          <a:xfrm>
+            <a:off x="2401842" y="1985871"/>
+            <a:ext cx="9249687" cy="3106438"/>
+          </a:xfrm>
+        </p:spPr>
         <p:txBody>
           <a:bodyPr>
             <a:normAutofit/>
@@ -1822,10 +1823,10 @@
           <a:lstStyle/>
           <a:p>
             <a:r>
-              <a:rPr lang="it-IT" dirty="0"/>
-              <a:t>Linear programming</a:t>
-            </a:r>
-            <a:endParaRPr lang="fr-FR" dirty="0"/>
+              <a:rPr lang="it-IT" sz="7200" dirty="0"/>
+              <a:t>Constrained optimization and linear programming</a:t>
+            </a:r>
+            <a:endParaRPr lang="fr-FR" sz="7200" dirty="0"/>
           </a:p>
         </p:txBody>
       </p:sp>
@@ -1939,8 +1940,22 @@
           <a:p>
             <a:r>
               <a:rPr lang="it-IT" dirty="0"/>
+              <a:t>Constrained optimization</a:t>
+            </a:r>
+          </a:p>
+          <a:p>
+            <a:r>
+              <a:rPr lang="it-IT" dirty="0"/>
               <a:t>Linear programming</a:t>
             </a:r>
+          </a:p>
+          <a:p>
+            <a:r>
+              <a:rPr lang="it-IT" dirty="0"/>
+              <a:t>Other approaches</a:t>
+            </a:r>
+          </a:p>
+          <a:p>
             <a:endParaRPr lang="fr-FR" dirty="0"/>
           </a:p>
         </p:txBody>
@@ -1949,6 +1964,1166 @@
     <p:extLst>
       <p:ext uri="{BB962C8B-B14F-4D97-AF65-F5344CB8AC3E}">
         <p14:creationId xmlns:p14="http://schemas.microsoft.com/office/powerpoint/2010/main" val="454349701"/>
+      </p:ext>
+    </p:extLst>
+  </p:cSld>
+  <p:clrMapOvr>
+    <a:masterClrMapping/>
+  </p:clrMapOvr>
+</p:sld>
+</file>
+
+<file path=ppt/slides/slide3.xml><?xml version="1.0" encoding="utf-8"?>
+<p:sld xmlns:a="http://schemas.openxmlformats.org/drawingml/2006/main" xmlns:r="http://schemas.openxmlformats.org/officeDocument/2006/relationships" xmlns:p="http://schemas.openxmlformats.org/presentationml/2006/main">
+  <p:cSld>
+    <p:spTree>
+      <p:nvGrpSpPr>
+        <p:cNvPr id="1" name=""/>
+        <p:cNvGrpSpPr/>
+        <p:nvPr/>
+      </p:nvGrpSpPr>
+      <p:grpSpPr>
+        <a:xfrm>
+          <a:off x="0" y="0"/>
+          <a:ext cx="0" cy="0"/>
+          <a:chOff x="0" y="0"/>
+          <a:chExt cx="0" cy="0"/>
+        </a:xfrm>
+      </p:grpSpPr>
+      <p:sp>
+        <p:nvSpPr>
+          <p:cNvPr id="2" name="Titre 1">
+            <a:extLst>
+              <a:ext uri="{FF2B5EF4-FFF2-40B4-BE49-F238E27FC236}">
+                <a16:creationId xmlns:a16="http://schemas.microsoft.com/office/drawing/2014/main" id="{E1BA2048-7B2E-40A2-9662-46F89DCF1CD0}"/>
+              </a:ext>
+            </a:extLst>
+          </p:cNvPr>
+          <p:cNvSpPr>
+            <a:spLocks noGrp="1"/>
+          </p:cNvSpPr>
+          <p:nvPr>
+            <p:ph type="title"/>
+          </p:nvPr>
+        </p:nvSpPr>
+        <p:spPr/>
+        <p:txBody>
+          <a:bodyPr/>
+          <a:lstStyle/>
+          <a:p>
+            <a:r>
+              <a:rPr lang="en-US" dirty="0"/>
+              <a:t>Constrained optimization</a:t>
+            </a:r>
+          </a:p>
+        </p:txBody>
+      </p:sp>
+      <p:sp>
+        <p:nvSpPr>
+          <p:cNvPr id="3" name="Espace réservé du texte 2">
+            <a:extLst>
+              <a:ext uri="{FF2B5EF4-FFF2-40B4-BE49-F238E27FC236}">
+                <a16:creationId xmlns:a16="http://schemas.microsoft.com/office/drawing/2014/main" id="{D25FF4C1-1567-4DF3-9E2C-0209ED59CEDE}"/>
+              </a:ext>
+            </a:extLst>
+          </p:cNvPr>
+          <p:cNvSpPr>
+            <a:spLocks noGrp="1"/>
+          </p:cNvSpPr>
+          <p:nvPr>
+            <p:ph type="body" sz="quarter" idx="10"/>
+          </p:nvPr>
+        </p:nvSpPr>
+        <p:spPr/>
+        <p:txBody>
+          <a:bodyPr/>
+          <a:lstStyle/>
+          <a:p>
+            <a:r>
+              <a:rPr lang="en-US" dirty="0"/>
+              <a:t>Optimizing objective function is not enough</a:t>
+            </a:r>
+          </a:p>
+          <a:p>
+            <a:pPr lvl="1"/>
+            <a:r>
+              <a:rPr lang="en-US" dirty="0"/>
+              <a:t>We also have to respect additional </a:t>
+            </a:r>
+            <a:r>
+              <a:rPr lang="en-US" b="1" dirty="0"/>
+              <a:t>constraints</a:t>
+            </a:r>
+            <a:r>
+              <a:rPr lang="en-US" dirty="0"/>
+              <a:t> on variables</a:t>
+            </a:r>
+          </a:p>
+          <a:p>
+            <a:pPr lvl="1"/>
+            <a:r>
+              <a:rPr lang="en-US" dirty="0"/>
+              <a:t>In general, different from </a:t>
+            </a:r>
+            <a:r>
+              <a:rPr lang="en-US" b="1" dirty="0"/>
+              <a:t>boundaries</a:t>
+            </a:r>
+            <a:r>
+              <a:rPr lang="en-US" dirty="0"/>
+              <a:t> (although, terminology…)</a:t>
+            </a:r>
+          </a:p>
+          <a:p>
+            <a:r>
+              <a:rPr lang="en-US" dirty="0"/>
+              <a:t>Some algorithms only check if solution exists</a:t>
+            </a:r>
+            <a:endParaRPr lang="en-US" b="1" dirty="0"/>
+          </a:p>
+          <a:p>
+            <a:r>
+              <a:rPr lang="en-US" dirty="0"/>
+              <a:t>Example: optimize the diet of soldiers</a:t>
+            </a:r>
+          </a:p>
+          <a:p>
+            <a:pPr lvl="1"/>
+            <a:r>
+              <a:rPr lang="en-US" dirty="0"/>
+              <a:t>Minimize cost of meals</a:t>
+            </a:r>
+          </a:p>
+          <a:p>
+            <a:pPr lvl="1"/>
+            <a:r>
+              <a:rPr lang="en-US" dirty="0"/>
+              <a:t>Attain at least a certain amount of each nutrient type</a:t>
+            </a:r>
+          </a:p>
+        </p:txBody>
+      </p:sp>
+    </p:spTree>
+    <p:extLst>
+      <p:ext uri="{BB962C8B-B14F-4D97-AF65-F5344CB8AC3E}">
+        <p14:creationId xmlns:p14="http://schemas.microsoft.com/office/powerpoint/2010/main" val="3200297167"/>
+      </p:ext>
+    </p:extLst>
+  </p:cSld>
+  <p:clrMapOvr>
+    <a:masterClrMapping/>
+  </p:clrMapOvr>
+</p:sld>
+</file>
+
+<file path=ppt/slides/slide4.xml><?xml version="1.0" encoding="utf-8"?>
+<p:sld xmlns:a="http://schemas.openxmlformats.org/drawingml/2006/main" xmlns:r="http://schemas.openxmlformats.org/officeDocument/2006/relationships" xmlns:p="http://schemas.openxmlformats.org/presentationml/2006/main">
+  <p:cSld>
+    <p:spTree>
+      <p:nvGrpSpPr>
+        <p:cNvPr id="1" name=""/>
+        <p:cNvGrpSpPr/>
+        <p:nvPr/>
+      </p:nvGrpSpPr>
+      <p:grpSpPr>
+        <a:xfrm>
+          <a:off x="0" y="0"/>
+          <a:ext cx="0" cy="0"/>
+          <a:chOff x="0" y="0"/>
+          <a:chExt cx="0" cy="0"/>
+        </a:xfrm>
+      </p:grpSpPr>
+      <p:sp>
+        <p:nvSpPr>
+          <p:cNvPr id="2" name="Titre 1">
+            <a:extLst>
+              <a:ext uri="{FF2B5EF4-FFF2-40B4-BE49-F238E27FC236}">
+                <a16:creationId xmlns:a16="http://schemas.microsoft.com/office/drawing/2014/main" id="{32F52F11-B2F7-4C14-BE1A-59EA0625F24F}"/>
+              </a:ext>
+            </a:extLst>
+          </p:cNvPr>
+          <p:cNvSpPr>
+            <a:spLocks noGrp="1"/>
+          </p:cNvSpPr>
+          <p:nvPr>
+            <p:ph type="title"/>
+          </p:nvPr>
+        </p:nvSpPr>
+        <p:spPr/>
+        <p:txBody>
+          <a:bodyPr/>
+          <a:lstStyle/>
+          <a:p>
+            <a:r>
+              <a:rPr lang="en-US" dirty="0"/>
+              <a:t>Constrained optimization</a:t>
+            </a:r>
+          </a:p>
+        </p:txBody>
+      </p:sp>
+      <p:sp>
+        <p:nvSpPr>
+          <p:cNvPr id="3" name="Espace réservé du texte 2">
+            <a:extLst>
+              <a:ext uri="{FF2B5EF4-FFF2-40B4-BE49-F238E27FC236}">
+                <a16:creationId xmlns:a16="http://schemas.microsoft.com/office/drawing/2014/main" id="{7A75BAEC-9722-4D16-AF86-BC85DAF21377}"/>
+              </a:ext>
+            </a:extLst>
+          </p:cNvPr>
+          <p:cNvSpPr>
+            <a:spLocks noGrp="1"/>
+          </p:cNvSpPr>
+          <p:nvPr>
+            <p:ph type="body" sz="quarter" idx="10"/>
+          </p:nvPr>
+        </p:nvSpPr>
+        <p:spPr/>
+        <p:txBody>
+          <a:bodyPr/>
+          <a:lstStyle/>
+          <a:p>
+            <a:endParaRPr lang="en-US"/>
+          </a:p>
+        </p:txBody>
+      </p:sp>
+    </p:spTree>
+    <p:extLst>
+      <p:ext uri="{BB962C8B-B14F-4D97-AF65-F5344CB8AC3E}">
+        <p14:creationId xmlns:p14="http://schemas.microsoft.com/office/powerpoint/2010/main" val="1590388057"/>
+      </p:ext>
+    </p:extLst>
+  </p:cSld>
+  <p:clrMapOvr>
+    <a:masterClrMapping/>
+  </p:clrMapOvr>
+</p:sld>
+</file>
+
+<file path=ppt/slides/slide5.xml><?xml version="1.0" encoding="utf-8"?>
+<p:sld xmlns:a="http://schemas.openxmlformats.org/drawingml/2006/main" xmlns:r="http://schemas.openxmlformats.org/officeDocument/2006/relationships" xmlns:p="http://schemas.openxmlformats.org/presentationml/2006/main">
+  <p:cSld>
+    <p:spTree>
+      <p:nvGrpSpPr>
+        <p:cNvPr id="1" name=""/>
+        <p:cNvGrpSpPr/>
+        <p:nvPr/>
+      </p:nvGrpSpPr>
+      <p:grpSpPr>
+        <a:xfrm>
+          <a:off x="0" y="0"/>
+          <a:ext cx="0" cy="0"/>
+          <a:chOff x="0" y="0"/>
+          <a:chExt cx="0" cy="0"/>
+        </a:xfrm>
+      </p:grpSpPr>
+      <p:sp>
+        <p:nvSpPr>
+          <p:cNvPr id="2" name="Titre 1">
+            <a:extLst>
+              <a:ext uri="{FF2B5EF4-FFF2-40B4-BE49-F238E27FC236}">
+                <a16:creationId xmlns:a16="http://schemas.microsoft.com/office/drawing/2014/main" id="{B4665F3D-3482-45C2-92D5-F9632E5D4C61}"/>
+              </a:ext>
+            </a:extLst>
+          </p:cNvPr>
+          <p:cNvSpPr>
+            <a:spLocks noGrp="1"/>
+          </p:cNvSpPr>
+          <p:nvPr>
+            <p:ph type="title"/>
+          </p:nvPr>
+        </p:nvSpPr>
+        <p:spPr/>
+        <p:txBody>
+          <a:bodyPr/>
+          <a:lstStyle/>
+          <a:p>
+            <a:r>
+              <a:rPr lang="en-US" dirty="0"/>
+              <a:t>Linear programming</a:t>
+            </a:r>
+          </a:p>
+        </p:txBody>
+      </p:sp>
+      <p:sp>
+        <p:nvSpPr>
+          <p:cNvPr id="3" name="Espace réservé du texte 2">
+            <a:extLst>
+              <a:ext uri="{FF2B5EF4-FFF2-40B4-BE49-F238E27FC236}">
+                <a16:creationId xmlns:a16="http://schemas.microsoft.com/office/drawing/2014/main" id="{AC80119A-3410-42CE-94A4-53FF737BB5A9}"/>
+              </a:ext>
+            </a:extLst>
+          </p:cNvPr>
+          <p:cNvSpPr>
+            <a:spLocks noGrp="1"/>
+          </p:cNvSpPr>
+          <p:nvPr>
+            <p:ph type="body" sz="quarter" idx="10"/>
+          </p:nvPr>
+        </p:nvSpPr>
+        <p:spPr/>
+        <p:txBody>
+          <a:bodyPr/>
+          <a:lstStyle/>
+          <a:p>
+            <a:r>
+              <a:rPr lang="en-US" dirty="0"/>
+              <a:t>Linear objective function, linear constraints</a:t>
+            </a:r>
+          </a:p>
+          <a:p>
+            <a:pPr lvl="1"/>
+            <a:r>
+              <a:rPr lang="en-US" dirty="0"/>
+              <a:t>Stating the problem properly ensures finding global optimum</a:t>
+            </a:r>
+          </a:p>
+          <a:p>
+            <a:pPr lvl="1"/>
+            <a:r>
+              <a:rPr lang="en-US" dirty="0"/>
+              <a:t>Simplex: explore vertices of a polytope (hyper-polygon)</a:t>
+            </a:r>
+          </a:p>
+        </p:txBody>
+      </p:sp>
+      <p:pic>
+        <p:nvPicPr>
+          <p:cNvPr id="1026" name="Picture 2">
+            <a:extLst>
+              <a:ext uri="{FF2B5EF4-FFF2-40B4-BE49-F238E27FC236}">
+                <a16:creationId xmlns:a16="http://schemas.microsoft.com/office/drawing/2014/main" id="{E0A924C5-DE95-4402-92B0-1174C3712856}"/>
+              </a:ext>
+            </a:extLst>
+          </p:cNvPr>
+          <p:cNvPicPr>
+            <a:picLocks noChangeAspect="1" noChangeArrowheads="1"/>
+          </p:cNvPicPr>
+          <p:nvPr/>
+        </p:nvPicPr>
+        <p:blipFill>
+          <a:blip r:embed="rId2">
+            <a:extLst>
+              <a:ext uri="{28A0092B-C50C-407E-A947-70E740481C1C}">
+                <a14:useLocalDpi xmlns:a14="http://schemas.microsoft.com/office/drawing/2010/main" val="0"/>
+              </a:ext>
+            </a:extLst>
+          </a:blip>
+          <a:srcRect/>
+          <a:stretch>
+            <a:fillRect/>
+          </a:stretch>
+        </p:blipFill>
+        <p:spPr bwMode="auto">
+          <a:xfrm>
+            <a:off x="2278431" y="3429000"/>
+            <a:ext cx="3294333" cy="2577053"/>
+          </a:xfrm>
+          <a:prstGeom prst="rect">
+            <a:avLst/>
+          </a:prstGeom>
+          <a:noFill/>
+          <a:extLst>
+            <a:ext uri="{909E8E84-426E-40DD-AFC4-6F175D3DCCD1}">
+              <a14:hiddenFill xmlns:a14="http://schemas.microsoft.com/office/drawing/2010/main">
+                <a:solidFill>
+                  <a:srgbClr val="FFFFFF"/>
+                </a:solidFill>
+              </a14:hiddenFill>
+            </a:ext>
+          </a:extLst>
+        </p:spPr>
+      </p:pic>
+      <p:pic>
+        <p:nvPicPr>
+          <p:cNvPr id="1028" name="Picture 4">
+            <a:extLst>
+              <a:ext uri="{FF2B5EF4-FFF2-40B4-BE49-F238E27FC236}">
+                <a16:creationId xmlns:a16="http://schemas.microsoft.com/office/drawing/2014/main" id="{0E174A00-57F5-4FBE-8A1A-3FF6E15C732B}"/>
+              </a:ext>
+            </a:extLst>
+          </p:cNvPr>
+          <p:cNvPicPr>
+            <a:picLocks noChangeAspect="1" noChangeArrowheads="1"/>
+          </p:cNvPicPr>
+          <p:nvPr/>
+        </p:nvPicPr>
+        <p:blipFill>
+          <a:blip r:embed="rId3">
+            <a:extLst>
+              <a:ext uri="{28A0092B-C50C-407E-A947-70E740481C1C}">
+                <a14:useLocalDpi xmlns:a14="http://schemas.microsoft.com/office/drawing/2010/main" val="0"/>
+              </a:ext>
+            </a:extLst>
+          </a:blip>
+          <a:srcRect/>
+          <a:stretch>
+            <a:fillRect/>
+          </a:stretch>
+        </p:blipFill>
+        <p:spPr bwMode="auto">
+          <a:xfrm>
+            <a:off x="7447174" y="3209491"/>
+            <a:ext cx="2889684" cy="2889684"/>
+          </a:xfrm>
+          <a:prstGeom prst="rect">
+            <a:avLst/>
+          </a:prstGeom>
+          <a:noFill/>
+          <a:extLst>
+            <a:ext uri="{909E8E84-426E-40DD-AFC4-6F175D3DCCD1}">
+              <a14:hiddenFill xmlns:a14="http://schemas.microsoft.com/office/drawing/2010/main">
+                <a:solidFill>
+                  <a:srgbClr val="FFFFFF"/>
+                </a:solidFill>
+              </a14:hiddenFill>
+            </a:ext>
+          </a:extLst>
+        </p:spPr>
+      </p:pic>
+    </p:spTree>
+    <p:extLst>
+      <p:ext uri="{BB962C8B-B14F-4D97-AF65-F5344CB8AC3E}">
+        <p14:creationId xmlns:p14="http://schemas.microsoft.com/office/powerpoint/2010/main" val="2499164258"/>
+      </p:ext>
+    </p:extLst>
+  </p:cSld>
+  <p:clrMapOvr>
+    <a:masterClrMapping/>
+  </p:clrMapOvr>
+</p:sld>
+</file>
+
+<file path=ppt/slides/slide6.xml><?xml version="1.0" encoding="utf-8"?>
+<p:sld xmlns:a="http://schemas.openxmlformats.org/drawingml/2006/main" xmlns:r="http://schemas.openxmlformats.org/officeDocument/2006/relationships" xmlns:p="http://schemas.openxmlformats.org/presentationml/2006/main">
+  <p:cSld>
+    <p:spTree>
+      <p:nvGrpSpPr>
+        <p:cNvPr id="1" name=""/>
+        <p:cNvGrpSpPr/>
+        <p:nvPr/>
+      </p:nvGrpSpPr>
+      <p:grpSpPr>
+        <a:xfrm>
+          <a:off x="0" y="0"/>
+          <a:ext cx="0" cy="0"/>
+          <a:chOff x="0" y="0"/>
+          <a:chExt cx="0" cy="0"/>
+        </a:xfrm>
+      </p:grpSpPr>
+      <p:sp>
+        <p:nvSpPr>
+          <p:cNvPr id="2" name="Titre 1">
+            <a:extLst>
+              <a:ext uri="{FF2B5EF4-FFF2-40B4-BE49-F238E27FC236}">
+                <a16:creationId xmlns:a16="http://schemas.microsoft.com/office/drawing/2014/main" id="{6B60BB44-01A2-4A3D-9297-39E228AF1CB3}"/>
+              </a:ext>
+            </a:extLst>
+          </p:cNvPr>
+          <p:cNvSpPr>
+            <a:spLocks noGrp="1"/>
+          </p:cNvSpPr>
+          <p:nvPr>
+            <p:ph type="title"/>
+          </p:nvPr>
+        </p:nvSpPr>
+        <p:spPr/>
+        <p:txBody>
+          <a:bodyPr/>
+          <a:lstStyle/>
+          <a:p>
+            <a:r>
+              <a:rPr lang="en-US" dirty="0"/>
+              <a:t>Other approaches</a:t>
+            </a:r>
+          </a:p>
+        </p:txBody>
+      </p:sp>
+      <mc:AlternateContent xmlns:mc="http://schemas.openxmlformats.org/markup-compatibility/2006">
+        <mc:Choice xmlns:a14="http://schemas.microsoft.com/office/drawing/2010/main" Requires="a14">
+          <p:sp>
+            <p:nvSpPr>
+              <p:cNvPr id="3" name="Espace réservé du texte 2">
+                <a:extLst>
+                  <a:ext uri="{FF2B5EF4-FFF2-40B4-BE49-F238E27FC236}">
+                    <a16:creationId xmlns:a16="http://schemas.microsoft.com/office/drawing/2014/main" id="{10AC3BF3-B2C6-49FA-912F-E42F7F2815B2}"/>
+                  </a:ext>
+                </a:extLst>
+              </p:cNvPr>
+              <p:cNvSpPr>
+                <a:spLocks noGrp="1"/>
+              </p:cNvSpPr>
+              <p:nvPr>
+                <p:ph type="body" sz="quarter" idx="10"/>
+              </p:nvPr>
+            </p:nvSpPr>
+            <p:spPr>
+              <a:xfrm>
+                <a:off x="847627" y="1423358"/>
+                <a:ext cx="10515600" cy="4675817"/>
+              </a:xfrm>
+            </p:spPr>
+            <p:txBody>
+              <a:bodyPr>
+                <a:normAutofit/>
+              </a:bodyPr>
+              <a:lstStyle/>
+              <a:p>
+                <a:r>
+                  <a:rPr lang="en-US" dirty="0"/>
+                  <a:t>If constraints and/or objective function are not linear</a:t>
+                </a:r>
+              </a:p>
+              <a:p>
+                <a:r>
+                  <a:rPr lang="en-US" dirty="0"/>
+                  <a:t>Variations of Linear Programming, attempting to linearize</a:t>
+                </a:r>
+              </a:p>
+              <a:p>
+                <a:pPr lvl="1"/>
+                <a:r>
+                  <a:rPr lang="en-US" dirty="0"/>
+                  <a:t>Quadratic Programming</a:t>
+                </a:r>
+              </a:p>
+              <a:p>
+                <a:pPr lvl="1"/>
+                <a:r>
+                  <a:rPr lang="en-US" dirty="0"/>
+                  <a:t>Non-linear Programming</a:t>
+                </a:r>
+              </a:p>
+              <a:p>
+                <a:r>
+                  <a:rPr lang="en-US" dirty="0"/>
+                  <a:t>Other techniques are also usable</a:t>
+                </a:r>
+              </a:p>
+              <a:p>
+                <a:pPr lvl="1"/>
+                <a:r>
+                  <a:rPr lang="en-US" dirty="0"/>
+                  <a:t>Include constraints to objective function as a weighted sum</a:t>
+                </a:r>
+              </a:p>
+              <a:p>
+                <a:pPr lvl="1"/>
+                <a:r>
+                  <a:rPr lang="en-US" dirty="0"/>
+                  <a:t>E.g. </a:t>
+                </a:r>
+                <a14:m>
+                  <m:oMath xmlns:m="http://schemas.openxmlformats.org/officeDocument/2006/math">
+                    <m:sSup>
+                      <m:sSupPr>
+                        <m:ctrlPr>
+                          <a:rPr lang="it-IT" b="0" i="1" smtClean="0">
+                            <a:latin typeface="Cambria Math" panose="02040503050406030204" pitchFamily="18" charset="0"/>
+                          </a:rPr>
+                        </m:ctrlPr>
+                      </m:sSupPr>
+                      <m:e>
+                        <m:r>
+                          <a:rPr lang="it-IT" b="0" i="1" smtClean="0">
+                            <a:latin typeface="Cambria Math" panose="02040503050406030204" pitchFamily="18" charset="0"/>
+                          </a:rPr>
+                          <m:t>𝑓</m:t>
+                        </m:r>
+                      </m:e>
+                      <m:sup>
+                        <m:r>
+                          <a:rPr lang="it-IT" b="0" i="1" smtClean="0">
+                            <a:latin typeface="Cambria Math" panose="02040503050406030204" pitchFamily="18" charset="0"/>
+                          </a:rPr>
+                          <m:t>′</m:t>
+                        </m:r>
+                      </m:sup>
+                    </m:sSup>
+                    <m:d>
+                      <m:dPr>
+                        <m:ctrlPr>
+                          <a:rPr lang="it-IT" b="0" i="1" smtClean="0">
+                            <a:latin typeface="Cambria Math" panose="02040503050406030204" pitchFamily="18" charset="0"/>
+                          </a:rPr>
+                        </m:ctrlPr>
+                      </m:dPr>
+                      <m:e>
+                        <m:r>
+                          <a:rPr lang="it-IT" b="0" i="1" smtClean="0">
+                            <a:latin typeface="Cambria Math" panose="02040503050406030204" pitchFamily="18" charset="0"/>
+                          </a:rPr>
+                          <m:t>𝑥</m:t>
+                        </m:r>
+                      </m:e>
+                    </m:d>
+                    <m:r>
+                      <a:rPr lang="it-IT" b="0" i="1" smtClean="0">
+                        <a:latin typeface="Cambria Math" panose="02040503050406030204" pitchFamily="18" charset="0"/>
+                      </a:rPr>
+                      <m:t>=</m:t>
+                    </m:r>
+                    <m:sSub>
+                      <m:sSubPr>
+                        <m:ctrlPr>
+                          <a:rPr lang="it-IT" b="0" i="1" smtClean="0">
+                            <a:latin typeface="Cambria Math" panose="02040503050406030204" pitchFamily="18" charset="0"/>
+                          </a:rPr>
+                        </m:ctrlPr>
+                      </m:sSubPr>
+                      <m:e>
+                        <m:r>
+                          <a:rPr lang="it-IT" b="0" i="1" smtClean="0">
+                            <a:latin typeface="Cambria Math" panose="02040503050406030204" pitchFamily="18" charset="0"/>
+                          </a:rPr>
+                          <m:t>𝑤</m:t>
+                        </m:r>
+                      </m:e>
+                      <m:sub>
+                        <m:r>
+                          <a:rPr lang="it-IT" b="0" i="1" smtClean="0">
+                            <a:latin typeface="Cambria Math" panose="02040503050406030204" pitchFamily="18" charset="0"/>
+                          </a:rPr>
+                          <m:t>𝑜</m:t>
+                        </m:r>
+                      </m:sub>
+                    </m:sSub>
+                    <m:r>
+                      <a:rPr lang="it-IT" b="0" i="1" smtClean="0">
+                        <a:latin typeface="Cambria Math" panose="02040503050406030204" pitchFamily="18" charset="0"/>
+                      </a:rPr>
+                      <m:t>∗</m:t>
+                    </m:r>
+                    <m:r>
+                      <a:rPr lang="it-IT" b="0" i="1" smtClean="0">
+                        <a:latin typeface="Cambria Math" panose="02040503050406030204" pitchFamily="18" charset="0"/>
+                      </a:rPr>
+                      <m:t>𝑓</m:t>
+                    </m:r>
+                    <m:d>
+                      <m:dPr>
+                        <m:ctrlPr>
+                          <a:rPr lang="it-IT" b="0" i="1" smtClean="0">
+                            <a:latin typeface="Cambria Math" panose="02040503050406030204" pitchFamily="18" charset="0"/>
+                          </a:rPr>
+                        </m:ctrlPr>
+                      </m:dPr>
+                      <m:e>
+                        <m:r>
+                          <a:rPr lang="it-IT" b="0" i="1" smtClean="0">
+                            <a:latin typeface="Cambria Math" panose="02040503050406030204" pitchFamily="18" charset="0"/>
+                          </a:rPr>
+                          <m:t>𝑥</m:t>
+                        </m:r>
+                      </m:e>
+                    </m:d>
+                    <m:r>
+                      <a:rPr lang="it-IT" b="0" i="1" smtClean="0">
+                        <a:latin typeface="Cambria Math" panose="02040503050406030204" pitchFamily="18" charset="0"/>
+                      </a:rPr>
+                      <m:t>+</m:t>
+                    </m:r>
+                    <m:sSub>
+                      <m:sSubPr>
+                        <m:ctrlPr>
+                          <a:rPr lang="it-IT" b="0" i="1" smtClean="0">
+                            <a:latin typeface="Cambria Math" panose="02040503050406030204" pitchFamily="18" charset="0"/>
+                          </a:rPr>
+                        </m:ctrlPr>
+                      </m:sSubPr>
+                      <m:e>
+                        <m:r>
+                          <a:rPr lang="it-IT" b="0" i="1" smtClean="0">
+                            <a:latin typeface="Cambria Math" panose="02040503050406030204" pitchFamily="18" charset="0"/>
+                          </a:rPr>
+                          <m:t>𝑤</m:t>
+                        </m:r>
+                      </m:e>
+                      <m:sub>
+                        <m:r>
+                          <a:rPr lang="it-IT" b="0" i="1" smtClean="0">
+                            <a:latin typeface="Cambria Math" panose="02040503050406030204" pitchFamily="18" charset="0"/>
+                          </a:rPr>
+                          <m:t>1</m:t>
+                        </m:r>
+                      </m:sub>
+                    </m:sSub>
+                    <m:r>
+                      <a:rPr lang="it-IT" b="0" i="1" smtClean="0">
+                        <a:latin typeface="Cambria Math" panose="02040503050406030204" pitchFamily="18" charset="0"/>
+                      </a:rPr>
+                      <m:t>∗</m:t>
+                    </m:r>
+                    <m:sSub>
+                      <m:sSubPr>
+                        <m:ctrlPr>
+                          <a:rPr lang="it-IT" b="0" i="1" smtClean="0">
+                            <a:latin typeface="Cambria Math" panose="02040503050406030204" pitchFamily="18" charset="0"/>
+                          </a:rPr>
+                        </m:ctrlPr>
+                      </m:sSubPr>
+                      <m:e>
+                        <m:r>
+                          <a:rPr lang="it-IT" b="0" i="1" smtClean="0">
+                            <a:latin typeface="Cambria Math" panose="02040503050406030204" pitchFamily="18" charset="0"/>
+                          </a:rPr>
+                          <m:t>𝑐</m:t>
+                        </m:r>
+                        <m:r>
+                          <a:rPr lang="it-IT" b="0" i="1" smtClean="0">
+                            <a:latin typeface="Cambria Math" panose="02040503050406030204" pitchFamily="18" charset="0"/>
+                          </a:rPr>
+                          <m:t>′</m:t>
+                        </m:r>
+                      </m:e>
+                      <m:sub>
+                        <m:r>
+                          <a:rPr lang="it-IT" b="0" i="1" smtClean="0">
+                            <a:latin typeface="Cambria Math" panose="02040503050406030204" pitchFamily="18" charset="0"/>
+                          </a:rPr>
+                          <m:t>1</m:t>
+                        </m:r>
+                      </m:sub>
+                    </m:sSub>
+                    <m:d>
+                      <m:dPr>
+                        <m:ctrlPr>
+                          <a:rPr lang="it-IT" b="0" i="1" smtClean="0">
+                            <a:latin typeface="Cambria Math" panose="02040503050406030204" pitchFamily="18" charset="0"/>
+                          </a:rPr>
+                        </m:ctrlPr>
+                      </m:dPr>
+                      <m:e>
+                        <m:r>
+                          <a:rPr lang="it-IT" b="0" i="1" smtClean="0">
+                            <a:latin typeface="Cambria Math" panose="02040503050406030204" pitchFamily="18" charset="0"/>
+                          </a:rPr>
+                          <m:t>𝑥</m:t>
+                        </m:r>
+                      </m:e>
+                    </m:d>
+                    <m:r>
+                      <a:rPr lang="it-IT" b="0" i="1" smtClean="0">
+                        <a:latin typeface="Cambria Math" panose="02040503050406030204" pitchFamily="18" charset="0"/>
+                      </a:rPr>
+                      <m:t>+</m:t>
+                    </m:r>
+                    <m:sSub>
+                      <m:sSubPr>
+                        <m:ctrlPr>
+                          <a:rPr lang="it-IT" b="0" i="1" smtClean="0">
+                            <a:latin typeface="Cambria Math" panose="02040503050406030204" pitchFamily="18" charset="0"/>
+                          </a:rPr>
+                        </m:ctrlPr>
+                      </m:sSubPr>
+                      <m:e>
+                        <m:r>
+                          <a:rPr lang="it-IT" b="0" i="1" smtClean="0">
+                            <a:latin typeface="Cambria Math" panose="02040503050406030204" pitchFamily="18" charset="0"/>
+                          </a:rPr>
+                          <m:t>𝑤</m:t>
+                        </m:r>
+                      </m:e>
+                      <m:sub>
+                        <m:r>
+                          <a:rPr lang="it-IT" b="0" i="1" smtClean="0">
+                            <a:latin typeface="Cambria Math" panose="02040503050406030204" pitchFamily="18" charset="0"/>
+                          </a:rPr>
+                          <m:t>2</m:t>
+                        </m:r>
+                      </m:sub>
+                    </m:sSub>
+                    <m:r>
+                      <a:rPr lang="it-IT" b="0" i="1" smtClean="0">
+                        <a:latin typeface="Cambria Math" panose="02040503050406030204" pitchFamily="18" charset="0"/>
+                      </a:rPr>
+                      <m:t>∗</m:t>
+                    </m:r>
+                    <m:sSub>
+                      <m:sSubPr>
+                        <m:ctrlPr>
+                          <a:rPr lang="it-IT" b="0" i="1" smtClean="0">
+                            <a:latin typeface="Cambria Math" panose="02040503050406030204" pitchFamily="18" charset="0"/>
+                          </a:rPr>
+                        </m:ctrlPr>
+                      </m:sSubPr>
+                      <m:e>
+                        <m:r>
+                          <a:rPr lang="it-IT" b="0" i="1" smtClean="0">
+                            <a:latin typeface="Cambria Math" panose="02040503050406030204" pitchFamily="18" charset="0"/>
+                          </a:rPr>
+                          <m:t>𝑐</m:t>
+                        </m:r>
+                        <m:r>
+                          <a:rPr lang="it-IT" b="0" i="1" smtClean="0">
+                            <a:latin typeface="Cambria Math" panose="02040503050406030204" pitchFamily="18" charset="0"/>
+                          </a:rPr>
+                          <m:t>′</m:t>
+                        </m:r>
+                      </m:e>
+                      <m:sub>
+                        <m:r>
+                          <a:rPr lang="it-IT" b="0" i="1" smtClean="0">
+                            <a:latin typeface="Cambria Math" panose="02040503050406030204" pitchFamily="18" charset="0"/>
+                          </a:rPr>
+                          <m:t>2</m:t>
+                        </m:r>
+                      </m:sub>
+                    </m:sSub>
+                    <m:d>
+                      <m:dPr>
+                        <m:ctrlPr>
+                          <a:rPr lang="it-IT" b="0" i="1" smtClean="0">
+                            <a:latin typeface="Cambria Math" panose="02040503050406030204" pitchFamily="18" charset="0"/>
+                          </a:rPr>
+                        </m:ctrlPr>
+                      </m:dPr>
+                      <m:e>
+                        <m:r>
+                          <a:rPr lang="it-IT" b="0" i="1" smtClean="0">
+                            <a:latin typeface="Cambria Math" panose="02040503050406030204" pitchFamily="18" charset="0"/>
+                          </a:rPr>
+                          <m:t>𝑥</m:t>
+                        </m:r>
+                      </m:e>
+                    </m:d>
+                    <m:r>
+                      <a:rPr lang="it-IT" b="0" i="1" smtClean="0">
+                        <a:latin typeface="Cambria Math" panose="02040503050406030204" pitchFamily="18" charset="0"/>
+                      </a:rPr>
+                      <m:t>…</m:t>
+                    </m:r>
+                  </m:oMath>
+                </a14:m>
+                <a:endParaRPr lang="en-US" dirty="0"/>
+              </a:p>
+              <a:p>
+                <a:pPr lvl="1"/>
+                <a:r>
+                  <a:rPr lang="en-US" dirty="0"/>
+                  <a:t>Where </a:t>
+                </a:r>
+                <a14:m>
+                  <m:oMath xmlns:m="http://schemas.openxmlformats.org/officeDocument/2006/math">
+                    <m:sSub>
+                      <m:sSubPr>
+                        <m:ctrlPr>
+                          <a:rPr lang="it-IT" b="0" i="1" smtClean="0">
+                            <a:latin typeface="Cambria Math" panose="02040503050406030204" pitchFamily="18" charset="0"/>
+                          </a:rPr>
+                        </m:ctrlPr>
+                      </m:sSubPr>
+                      <m:e>
+                        <m:r>
+                          <a:rPr lang="it-IT" b="0" i="1" smtClean="0">
+                            <a:latin typeface="Cambria Math" panose="02040503050406030204" pitchFamily="18" charset="0"/>
+                          </a:rPr>
+                          <m:t>𝑐</m:t>
+                        </m:r>
+                        <m:r>
+                          <a:rPr lang="it-IT" b="0" i="1" smtClean="0">
+                            <a:latin typeface="Cambria Math" panose="02040503050406030204" pitchFamily="18" charset="0"/>
+                          </a:rPr>
+                          <m:t>′</m:t>
+                        </m:r>
+                      </m:e>
+                      <m:sub>
+                        <m:r>
+                          <a:rPr lang="it-IT" b="0" i="1" smtClean="0">
+                            <a:latin typeface="Cambria Math" panose="02040503050406030204" pitchFamily="18" charset="0"/>
+                          </a:rPr>
+                          <m:t>𝑖</m:t>
+                        </m:r>
+                      </m:sub>
+                    </m:sSub>
+                    <m:r>
+                      <a:rPr lang="it-IT" b="0" i="1" smtClean="0">
+                        <a:latin typeface="Cambria Math" panose="02040503050406030204" pitchFamily="18" charset="0"/>
+                      </a:rPr>
+                      <m:t>=</m:t>
+                    </m:r>
+                  </m:oMath>
+                </a14:m>
+                <a:endParaRPr lang="en-US" dirty="0"/>
+              </a:p>
+            </p:txBody>
+          </p:sp>
+        </mc:Choice>
+        <mc:Fallback>
+          <p:sp>
+            <p:nvSpPr>
+              <p:cNvPr id="3" name="Espace réservé du texte 2">
+                <a:extLst>
+                  <a:ext uri="{FF2B5EF4-FFF2-40B4-BE49-F238E27FC236}">
+                    <a16:creationId xmlns:a16="http://schemas.microsoft.com/office/drawing/2014/main" id="{10AC3BF3-B2C6-49FA-912F-E42F7F2815B2}"/>
+                  </a:ext>
+                </a:extLst>
+              </p:cNvPr>
+              <p:cNvSpPr>
+                <a:spLocks noGrp="1" noRot="1" noChangeAspect="1" noMove="1" noResize="1" noEditPoints="1" noAdjustHandles="1" noChangeArrowheads="1" noChangeShapeType="1" noTextEdit="1"/>
+              </p:cNvSpPr>
+              <p:nvPr>
+                <p:ph type="body" sz="quarter" idx="10"/>
+              </p:nvPr>
+            </p:nvSpPr>
+            <p:spPr>
+              <a:xfrm>
+                <a:off x="847627" y="1423358"/>
+                <a:ext cx="10515600" cy="4675817"/>
+              </a:xfrm>
+              <a:blipFill>
+                <a:blip r:embed="rId2"/>
+                <a:stretch>
+                  <a:fillRect l="-1333" t="-2734"/>
+                </a:stretch>
+              </a:blipFill>
+            </p:spPr>
+            <p:txBody>
+              <a:bodyPr/>
+              <a:lstStyle/>
+              <a:p>
+                <a:r>
+                  <a:rPr lang="en-US">
+                    <a:noFill/>
+                  </a:rPr>
+                  <a:t> </a:t>
+                </a:r>
+              </a:p>
+            </p:txBody>
+          </p:sp>
+        </mc:Fallback>
+      </mc:AlternateContent>
+    </p:spTree>
+    <p:extLst>
+      <p:ext uri="{BB962C8B-B14F-4D97-AF65-F5344CB8AC3E}">
+        <p14:creationId xmlns:p14="http://schemas.microsoft.com/office/powerpoint/2010/main" val="2868414242"/>
+      </p:ext>
+    </p:extLst>
+  </p:cSld>
+  <p:clrMapOvr>
+    <a:masterClrMapping/>
+  </p:clrMapOvr>
+</p:sld>
+</file>
+
+<file path=ppt/slides/slide7.xml><?xml version="1.0" encoding="utf-8"?>
+<p:sld xmlns:a="http://schemas.openxmlformats.org/drawingml/2006/main" xmlns:r="http://schemas.openxmlformats.org/officeDocument/2006/relationships" xmlns:p="http://schemas.openxmlformats.org/presentationml/2006/main">
+  <p:cSld>
+    <p:spTree>
+      <p:nvGrpSpPr>
+        <p:cNvPr id="1" name=""/>
+        <p:cNvGrpSpPr/>
+        <p:nvPr/>
+      </p:nvGrpSpPr>
+      <p:grpSpPr>
+        <a:xfrm>
+          <a:off x="0" y="0"/>
+          <a:ext cx="0" cy="0"/>
+          <a:chOff x="0" y="0"/>
+          <a:chExt cx="0" cy="0"/>
+        </a:xfrm>
+      </p:grpSpPr>
+      <p:sp>
+        <p:nvSpPr>
+          <p:cNvPr id="4" name="Titre 3">
+            <a:extLst>
+              <a:ext uri="{FF2B5EF4-FFF2-40B4-BE49-F238E27FC236}">
+                <a16:creationId xmlns:a16="http://schemas.microsoft.com/office/drawing/2014/main" id="{B53E8A05-42BD-489E-BF5F-958C213739DF}"/>
+              </a:ext>
+            </a:extLst>
+          </p:cNvPr>
+          <p:cNvSpPr>
+            <a:spLocks noGrp="1"/>
+          </p:cNvSpPr>
+          <p:nvPr>
+            <p:ph type="ctrTitle"/>
+          </p:nvPr>
+        </p:nvSpPr>
+        <p:spPr/>
+        <p:txBody>
+          <a:bodyPr/>
+          <a:lstStyle/>
+          <a:p>
+            <a:r>
+              <a:rPr lang="en-US" dirty="0"/>
+              <a:t>Questions?</a:t>
+            </a:r>
+          </a:p>
+        </p:txBody>
+      </p:sp>
+      <p:sp>
+        <p:nvSpPr>
+          <p:cNvPr id="5" name="Sous-titre 4">
+            <a:extLst>
+              <a:ext uri="{FF2B5EF4-FFF2-40B4-BE49-F238E27FC236}">
+                <a16:creationId xmlns:a16="http://schemas.microsoft.com/office/drawing/2014/main" id="{CEB63DBD-0FC0-4057-AC92-1717C1D0ED55}"/>
+              </a:ext>
+            </a:extLst>
+          </p:cNvPr>
+          <p:cNvSpPr>
+            <a:spLocks noGrp="1"/>
+          </p:cNvSpPr>
+          <p:nvPr>
+            <p:ph type="subTitle" idx="1"/>
+          </p:nvPr>
+        </p:nvSpPr>
+        <p:spPr/>
+        <p:txBody>
+          <a:bodyPr>
+            <a:noAutofit/>
+          </a:bodyPr>
+          <a:lstStyle/>
+          <a:p>
+            <a:r>
+              <a:rPr lang="en-US" dirty="0"/>
+              <a:t>Bibliography</a:t>
+            </a:r>
+            <a:br>
+              <a:rPr lang="en-US" dirty="0"/>
+            </a:br>
+            <a:r>
+              <a:rPr lang="en-US" dirty="0"/>
+              <a:t>- </a:t>
+            </a:r>
+            <a:r>
+              <a:rPr lang="en-US" dirty="0" err="1"/>
+              <a:t>Kochenderfer</a:t>
+            </a:r>
+            <a:r>
+              <a:rPr lang="en-US" dirty="0"/>
+              <a:t> &amp; Wheeler, </a:t>
+            </a:r>
+            <a:r>
+              <a:rPr lang="en-US" i="1" dirty="0"/>
+              <a:t>Algorithms for Optimization</a:t>
+            </a:r>
+            <a:r>
+              <a:rPr lang="en-US" dirty="0"/>
+              <a:t>, MIT Press, 2019</a:t>
+            </a:r>
+            <a:br>
+              <a:rPr lang="en-US" dirty="0"/>
+            </a:br>
+            <a:r>
+              <a:rPr lang="en-US" dirty="0"/>
+              <a:t>- </a:t>
+            </a:r>
+            <a:r>
+              <a:rPr lang="en-US" dirty="0" err="1"/>
+              <a:t>Vanderbei</a:t>
+            </a:r>
+            <a:r>
+              <a:rPr lang="en-US" dirty="0"/>
+              <a:t>, </a:t>
+            </a:r>
+            <a:r>
+              <a:rPr lang="en-US" i="1" dirty="0"/>
+              <a:t>Linear Programming: Foundations and Extensions</a:t>
+            </a:r>
+            <a:r>
+              <a:rPr lang="en-US" dirty="0"/>
+              <a:t>, 2014</a:t>
+            </a:r>
+            <a:br>
+              <a:rPr lang="en-US" dirty="0"/>
+            </a:br>
+            <a:endParaRPr lang="en-US" dirty="0"/>
+          </a:p>
+          <a:p>
+            <a:r>
+              <a:rPr lang="en-US" sz="1200" dirty="0"/>
+              <a:t>Images: unless otherwise stated, I stole them from the Internet. I hope they are not copyrighted, or that their use falls under the Fair Use clause, and if not, I am sorry. Please don’t sue me.</a:t>
+            </a:r>
+          </a:p>
+        </p:txBody>
+      </p:sp>
+      <p:pic>
+        <p:nvPicPr>
+          <p:cNvPr id="6" name="Picture 2">
+            <a:extLst>
+              <a:ext uri="{FF2B5EF4-FFF2-40B4-BE49-F238E27FC236}">
+                <a16:creationId xmlns:a16="http://schemas.microsoft.com/office/drawing/2014/main" id="{6E214693-AB7E-4C54-8D7C-0391735F7C4F}"/>
+              </a:ext>
+            </a:extLst>
+          </p:cNvPr>
+          <p:cNvPicPr>
+            <a:picLocks noChangeAspect="1" noChangeArrowheads="1"/>
+          </p:cNvPicPr>
+          <p:nvPr/>
+        </p:nvPicPr>
+        <p:blipFill rotWithShape="1">
+          <a:blip r:embed="rId2">
+            <a:extLst>
+              <a:ext uri="{BEBA8EAE-BF5A-486C-A8C5-ECC9F3942E4B}">
+                <a14:imgProps xmlns:a14="http://schemas.microsoft.com/office/drawing/2010/main">
+                  <a14:imgLayer r:embed="rId3">
+                    <a14:imgEffect>
+                      <a14:backgroundRemoval t="22283" b="75673" l="54554" r="90983"/>
+                    </a14:imgEffect>
+                  </a14:imgLayer>
+                </a14:imgProps>
+              </a:ext>
+              <a:ext uri="{28A0092B-C50C-407E-A947-70E740481C1C}">
+                <a14:useLocalDpi xmlns:a14="http://schemas.microsoft.com/office/drawing/2010/main" val="0"/>
+              </a:ext>
+            </a:extLst>
+          </a:blip>
+          <a:srcRect l="50000" t="15610" r="4463" b="17653"/>
+          <a:stretch/>
+        </p:blipFill>
+        <p:spPr bwMode="auto">
+          <a:xfrm>
+            <a:off x="4938382" y="1037974"/>
+            <a:ext cx="1295445" cy="884352"/>
+          </a:xfrm>
+          <a:prstGeom prst="rect">
+            <a:avLst/>
+          </a:prstGeom>
+          <a:noFill/>
+          <a:extLst>
+            <a:ext uri="{909E8E84-426E-40DD-AFC4-6F175D3DCCD1}">
+              <a14:hiddenFill xmlns:a14="http://schemas.microsoft.com/office/drawing/2010/main">
+                <a:solidFill>
+                  <a:srgbClr val="FFFFFF"/>
+                </a:solidFill>
+              </a14:hiddenFill>
+            </a:ext>
+          </a:extLst>
+        </p:spPr>
+      </p:pic>
+      <p:pic>
+        <p:nvPicPr>
+          <p:cNvPr id="7" name="Image 6">
+            <a:extLst>
+              <a:ext uri="{FF2B5EF4-FFF2-40B4-BE49-F238E27FC236}">
+                <a16:creationId xmlns:a16="http://schemas.microsoft.com/office/drawing/2014/main" id="{414D43F9-35B6-46FA-B5D4-8F2F1AA72ED1}"/>
+              </a:ext>
+            </a:extLst>
+          </p:cNvPr>
+          <p:cNvPicPr>
+            <a:picLocks noChangeAspect="1"/>
+          </p:cNvPicPr>
+          <p:nvPr/>
+        </p:nvPicPr>
+        <p:blipFill>
+          <a:blip r:embed="rId4"/>
+          <a:stretch>
+            <a:fillRect/>
+          </a:stretch>
+        </p:blipFill>
+        <p:spPr>
+          <a:xfrm>
+            <a:off x="6383826" y="1073027"/>
+            <a:ext cx="1642424" cy="574848"/>
+          </a:xfrm>
+          <a:prstGeom prst="rect">
+            <a:avLst/>
+          </a:prstGeom>
+        </p:spPr>
+      </p:pic>
+    </p:spTree>
+    <p:extLst>
+      <p:ext uri="{BB962C8B-B14F-4D97-AF65-F5344CB8AC3E}">
+        <p14:creationId xmlns:p14="http://schemas.microsoft.com/office/powerpoint/2010/main" val="938009228"/>
       </p:ext>
     </p:extLst>
   </p:cSld>

--- a/optimization-methods-for-artificial-intelligence/optimization-linear-programming.pptx
+++ b/optimization-methods-for-artificial-intelligence/optimization-linear-programming.pptx
@@ -7,8 +7,8 @@
   <p:sldIdLst>
     <p:sldId id="257" r:id="rId2"/>
     <p:sldId id="258" r:id="rId3"/>
-    <p:sldId id="260" r:id="rId4"/>
-    <p:sldId id="262" r:id="rId5"/>
+    <p:sldId id="270" r:id="rId4"/>
+    <p:sldId id="260" r:id="rId5"/>
     <p:sldId id="259" r:id="rId6"/>
     <p:sldId id="261" r:id="rId7"/>
     <p:sldId id="269" r:id="rId8"/>
@@ -2018,95 +2018,244 @@
           </a:p>
         </p:txBody>
       </p:sp>
-      <p:sp>
-        <p:nvSpPr>
-          <p:cNvPr id="3" name="Espace réservé du texte 2">
-            <a:extLst>
-              <a:ext uri="{FF2B5EF4-FFF2-40B4-BE49-F238E27FC236}">
-                <a16:creationId xmlns:a16="http://schemas.microsoft.com/office/drawing/2014/main" id="{D25FF4C1-1567-4DF3-9E2C-0209ED59CEDE}"/>
-              </a:ext>
-            </a:extLst>
-          </p:cNvPr>
-          <p:cNvSpPr>
-            <a:spLocks noGrp="1"/>
-          </p:cNvSpPr>
-          <p:nvPr>
-            <p:ph type="body" sz="quarter" idx="10"/>
-          </p:nvPr>
-        </p:nvSpPr>
-        <p:spPr/>
-        <p:txBody>
-          <a:bodyPr/>
-          <a:lstStyle/>
-          <a:p>
-            <a:r>
-              <a:rPr lang="en-US" dirty="0"/>
-              <a:t>Optimizing objective function is not enough</a:t>
-            </a:r>
-          </a:p>
-          <a:p>
-            <a:pPr lvl="1"/>
-            <a:r>
-              <a:rPr lang="en-US" dirty="0"/>
-              <a:t>We also have to respect additional </a:t>
-            </a:r>
-            <a:r>
-              <a:rPr lang="en-US" b="1" dirty="0"/>
-              <a:t>constraints</a:t>
-            </a:r>
-            <a:r>
-              <a:rPr lang="en-US" dirty="0"/>
-              <a:t> on variables</a:t>
-            </a:r>
-          </a:p>
-          <a:p>
-            <a:pPr lvl="1"/>
-            <a:r>
-              <a:rPr lang="en-US" dirty="0"/>
-              <a:t>In general, different from </a:t>
-            </a:r>
-            <a:r>
-              <a:rPr lang="en-US" b="1" dirty="0"/>
-              <a:t>boundaries</a:t>
-            </a:r>
-            <a:r>
-              <a:rPr lang="en-US" dirty="0"/>
-              <a:t> (although, terminology…)</a:t>
-            </a:r>
-          </a:p>
-          <a:p>
-            <a:r>
-              <a:rPr lang="en-US" dirty="0"/>
-              <a:t>Some algorithms only check if solution exists</a:t>
-            </a:r>
-            <a:endParaRPr lang="en-US" b="1" dirty="0"/>
-          </a:p>
-          <a:p>
-            <a:r>
-              <a:rPr lang="en-US" dirty="0"/>
-              <a:t>Example: optimize the diet of soldiers</a:t>
-            </a:r>
-          </a:p>
-          <a:p>
-            <a:pPr lvl="1"/>
-            <a:r>
-              <a:rPr lang="en-US" dirty="0"/>
-              <a:t>Minimize cost of meals</a:t>
-            </a:r>
-          </a:p>
-          <a:p>
-            <a:pPr lvl="1"/>
-            <a:r>
-              <a:rPr lang="en-US" dirty="0"/>
-              <a:t>Attain at least a certain amount of each nutrient type</a:t>
-            </a:r>
-          </a:p>
-        </p:txBody>
-      </p:sp>
+      <mc:AlternateContent xmlns:mc="http://schemas.openxmlformats.org/markup-compatibility/2006" xmlns:a14="http://schemas.microsoft.com/office/drawing/2010/main">
+        <mc:Choice Requires="a14">
+          <p:sp>
+            <p:nvSpPr>
+              <p:cNvPr id="3" name="Espace réservé du texte 2">
+                <a:extLst>
+                  <a:ext uri="{FF2B5EF4-FFF2-40B4-BE49-F238E27FC236}">
+                    <a16:creationId xmlns:a16="http://schemas.microsoft.com/office/drawing/2014/main" id="{D25FF4C1-1567-4DF3-9E2C-0209ED59CEDE}"/>
+                  </a:ext>
+                </a:extLst>
+              </p:cNvPr>
+              <p:cNvSpPr>
+                <a:spLocks noGrp="1"/>
+              </p:cNvSpPr>
+              <p:nvPr>
+                <p:ph type="body" sz="quarter" idx="10"/>
+              </p:nvPr>
+            </p:nvSpPr>
+            <p:spPr/>
+            <p:txBody>
+              <a:bodyPr/>
+              <a:lstStyle/>
+              <a:p>
+                <a:r>
+                  <a:rPr lang="en-US" dirty="0"/>
+                  <a:t>Optimizing objective function is not enough</a:t>
+                </a:r>
+              </a:p>
+              <a:p>
+                <a:pPr lvl="1"/>
+                <a:r>
+                  <a:rPr lang="en-US" dirty="0"/>
+                  <a:t>We also have to respect additional </a:t>
+                </a:r>
+                <a:r>
+                  <a:rPr lang="en-US" b="1" dirty="0"/>
+                  <a:t>constraints</a:t>
+                </a:r>
+                <a:r>
+                  <a:rPr lang="en-US" dirty="0"/>
+                  <a:t> on variables</a:t>
+                </a:r>
+              </a:p>
+              <a:p>
+                <a:pPr lvl="1"/>
+                <a:r>
+                  <a:rPr lang="en-US" dirty="0"/>
+                  <a:t>In general, different from </a:t>
+                </a:r>
+                <a:r>
+                  <a:rPr lang="en-US" b="1" dirty="0"/>
+                  <a:t>boundaries</a:t>
+                </a:r>
+                <a:r>
+                  <a:rPr lang="en-US" dirty="0"/>
+                  <a:t> (although, terminology…)</a:t>
+                </a:r>
+              </a:p>
+              <a:p>
+                <a:pPr lvl="1"/>
+                <a:r>
+                  <a:rPr lang="en-US" dirty="0"/>
+                  <a:t>Boundaries can turn into constraints (</a:t>
+                </a:r>
+                <a14:m>
+                  <m:oMath xmlns:m="http://schemas.openxmlformats.org/officeDocument/2006/math">
+                    <m:r>
+                      <a:rPr lang="it-IT" b="0" i="1" smtClean="0">
+                        <a:latin typeface="Cambria Math" panose="02040503050406030204" pitchFamily="18" charset="0"/>
+                      </a:rPr>
+                      <m:t>𝑥</m:t>
+                    </m:r>
+                    <m:r>
+                      <a:rPr lang="it-IT" b="0" i="1" smtClean="0">
+                        <a:latin typeface="Cambria Math" panose="02040503050406030204" pitchFamily="18" charset="0"/>
+                        <a:ea typeface="Cambria Math" panose="02040503050406030204" pitchFamily="18" charset="0"/>
+                      </a:rPr>
+                      <m:t>∈</m:t>
+                    </m:r>
+                    <m:d>
+                      <m:dPr>
+                        <m:begChr m:val="["/>
+                        <m:endChr m:val="]"/>
+                        <m:ctrlPr>
+                          <a:rPr lang="it-IT" b="0" i="1" smtClean="0">
+                            <a:latin typeface="Cambria Math" panose="02040503050406030204" pitchFamily="18" charset="0"/>
+                            <a:ea typeface="Cambria Math" panose="02040503050406030204" pitchFamily="18" charset="0"/>
+                          </a:rPr>
+                        </m:ctrlPr>
+                      </m:dPr>
+                      <m:e>
+                        <m:r>
+                          <a:rPr lang="it-IT" b="0" i="1" smtClean="0">
+                            <a:latin typeface="Cambria Math" panose="02040503050406030204" pitchFamily="18" charset="0"/>
+                            <a:ea typeface="Cambria Math" panose="02040503050406030204" pitchFamily="18" charset="0"/>
+                          </a:rPr>
+                          <m:t>0,2</m:t>
+                        </m:r>
+                      </m:e>
+                    </m:d>
+                    <m:r>
+                      <a:rPr lang="it-IT" b="0" i="1" smtClean="0">
+                        <a:latin typeface="Cambria Math" panose="02040503050406030204" pitchFamily="18" charset="0"/>
+                        <a:ea typeface="Cambria Math" panose="02040503050406030204" pitchFamily="18" charset="0"/>
+                      </a:rPr>
+                      <m:t>→</m:t>
+                    </m:r>
+                    <m:r>
+                      <a:rPr lang="it-IT" b="0" i="1" smtClean="0">
+                        <a:latin typeface="Cambria Math" panose="02040503050406030204" pitchFamily="18" charset="0"/>
+                        <a:ea typeface="Cambria Math" panose="02040503050406030204" pitchFamily="18" charset="0"/>
+                      </a:rPr>
+                      <m:t>𝑥</m:t>
+                    </m:r>
+                    <m:r>
+                      <a:rPr lang="it-IT" b="0" i="1" smtClean="0">
+                        <a:latin typeface="Cambria Math" panose="02040503050406030204" pitchFamily="18" charset="0"/>
+                        <a:ea typeface="Cambria Math" panose="02040503050406030204" pitchFamily="18" charset="0"/>
+                      </a:rPr>
+                      <m:t>≥0,</m:t>
+                    </m:r>
+                    <m:r>
+                      <a:rPr lang="it-IT" b="0" i="1" smtClean="0">
+                        <a:latin typeface="Cambria Math" panose="02040503050406030204" pitchFamily="18" charset="0"/>
+                        <a:ea typeface="Cambria Math" panose="02040503050406030204" pitchFamily="18" charset="0"/>
+                      </a:rPr>
+                      <m:t>𝑥</m:t>
+                    </m:r>
+                    <m:r>
+                      <a:rPr lang="it-IT" b="0" i="1" smtClean="0">
+                        <a:latin typeface="Cambria Math" panose="02040503050406030204" pitchFamily="18" charset="0"/>
+                        <a:ea typeface="Cambria Math" panose="02040503050406030204" pitchFamily="18" charset="0"/>
+                      </a:rPr>
+                      <m:t>≤2</m:t>
+                    </m:r>
+                  </m:oMath>
+                </a14:m>
+                <a:r>
+                  <a:rPr lang="en-US" dirty="0"/>
+                  <a:t>)</a:t>
+                </a:r>
+              </a:p>
+              <a:p>
+                <a:pPr lvl="1"/>
+                <a:r>
+                  <a:rPr lang="en-US" dirty="0"/>
+                  <a:t>Constraints are usually </a:t>
+                </a:r>
+                <a:r>
+                  <a:rPr lang="en-US" b="1" dirty="0"/>
+                  <a:t>equalities</a:t>
+                </a:r>
+                <a:r>
+                  <a:rPr lang="en-US" dirty="0"/>
+                  <a:t> and </a:t>
+                </a:r>
+                <a:r>
+                  <a:rPr lang="en-US" b="1" dirty="0"/>
+                  <a:t>inequalities</a:t>
+                </a:r>
+              </a:p>
+            </p:txBody>
+          </p:sp>
+        </mc:Choice>
+        <mc:Fallback xmlns="">
+          <p:sp>
+            <p:nvSpPr>
+              <p:cNvPr id="3" name="Espace réservé du texte 2">
+                <a:extLst>
+                  <a:ext uri="{FF2B5EF4-FFF2-40B4-BE49-F238E27FC236}">
+                    <a16:creationId xmlns:a16="http://schemas.microsoft.com/office/drawing/2014/main" id="{D25FF4C1-1567-4DF3-9E2C-0209ED59CEDE}"/>
+                  </a:ext>
+                </a:extLst>
+              </p:cNvPr>
+              <p:cNvSpPr>
+                <a:spLocks noGrp="1" noRot="1" noChangeAspect="1" noMove="1" noResize="1" noEditPoints="1" noAdjustHandles="1" noChangeArrowheads="1" noChangeShapeType="1" noTextEdit="1"/>
+              </p:cNvSpPr>
+              <p:nvPr>
+                <p:ph type="body" sz="quarter" idx="10"/>
+              </p:nvPr>
+            </p:nvSpPr>
+            <p:spPr>
+              <a:blipFill>
+                <a:blip r:embed="rId2"/>
+                <a:stretch>
+                  <a:fillRect l="-1333" t="-2734"/>
+                </a:stretch>
+              </a:blipFill>
+            </p:spPr>
+            <p:txBody>
+              <a:bodyPr/>
+              <a:lstStyle/>
+              <a:p>
+                <a:r>
+                  <a:rPr lang="en-US">
+                    <a:noFill/>
+                  </a:rPr>
+                  <a:t> </a:t>
+                </a:r>
+              </a:p>
+            </p:txBody>
+          </p:sp>
+        </mc:Fallback>
+      </mc:AlternateContent>
+      <p:pic>
+        <p:nvPicPr>
+          <p:cNvPr id="5" name="Image 4">
+            <a:extLst>
+              <a:ext uri="{FF2B5EF4-FFF2-40B4-BE49-F238E27FC236}">
+                <a16:creationId xmlns:a16="http://schemas.microsoft.com/office/drawing/2014/main" id="{58C06375-653E-49E3-BBF4-7352905FFEE1}"/>
+              </a:ext>
+            </a:extLst>
+          </p:cNvPr>
+          <p:cNvPicPr>
+            <a:picLocks noChangeAspect="1"/>
+          </p:cNvPicPr>
+          <p:nvPr/>
+        </p:nvPicPr>
+        <p:blipFill>
+          <a:blip r:embed="rId3"/>
+          <a:stretch>
+            <a:fillRect/>
+          </a:stretch>
+        </p:blipFill>
+        <p:spPr>
+          <a:xfrm>
+            <a:off x="2938022" y="3827257"/>
+            <a:ext cx="6315956" cy="2000529"/>
+          </a:xfrm>
+          <a:prstGeom prst="rect">
+            <a:avLst/>
+          </a:prstGeom>
+        </p:spPr>
+      </p:pic>
     </p:spTree>
     <p:extLst>
       <p:ext uri="{BB962C8B-B14F-4D97-AF65-F5344CB8AC3E}">
-        <p14:creationId xmlns:p14="http://schemas.microsoft.com/office/powerpoint/2010/main" val="3200297167"/>
+        <p14:creationId xmlns:p14="http://schemas.microsoft.com/office/powerpoint/2010/main" val="276511633"/>
       </p:ext>
     </p:extLst>
   </p:cSld>
@@ -2138,7 +2287,7 @@
           <p:cNvPr id="2" name="Titre 1">
             <a:extLst>
               <a:ext uri="{FF2B5EF4-FFF2-40B4-BE49-F238E27FC236}">
-                <a16:creationId xmlns:a16="http://schemas.microsoft.com/office/drawing/2014/main" id="{32F52F11-B2F7-4C14-BE1A-59EA0625F24F}"/>
+                <a16:creationId xmlns:a16="http://schemas.microsoft.com/office/drawing/2014/main" id="{E1BA2048-7B2E-40A2-9662-46F89DCF1CD0}"/>
               </a:ext>
             </a:extLst>
           </p:cNvPr>
@@ -2166,7 +2315,7 @@
           <p:cNvPr id="3" name="Espace réservé du texte 2">
             <a:extLst>
               <a:ext uri="{FF2B5EF4-FFF2-40B4-BE49-F238E27FC236}">
-                <a16:creationId xmlns:a16="http://schemas.microsoft.com/office/drawing/2014/main" id="{7A75BAEC-9722-4D16-AF86-BC85DAF21377}"/>
+                <a16:creationId xmlns:a16="http://schemas.microsoft.com/office/drawing/2014/main" id="{D25FF4C1-1567-4DF3-9E2C-0209ED59CEDE}"/>
               </a:ext>
             </a:extLst>
           </p:cNvPr>
@@ -2182,14 +2331,38 @@
           <a:bodyPr/>
           <a:lstStyle/>
           <a:p>
-            <a:endParaRPr lang="en-US"/>
+            <a:r>
+              <a:rPr lang="en-US" dirty="0"/>
+              <a:t>Example: optimize the diet of soldiers</a:t>
+            </a:r>
+          </a:p>
+          <a:p>
+            <a:pPr lvl="1"/>
+            <a:r>
+              <a:rPr lang="en-US" dirty="0"/>
+              <a:t>Minimize cost of meals</a:t>
+            </a:r>
+          </a:p>
+          <a:p>
+            <a:pPr lvl="1"/>
+            <a:r>
+              <a:rPr lang="en-US" dirty="0"/>
+              <a:t>Attain at least a certain amount of each nutrient group</a:t>
+            </a:r>
+          </a:p>
+          <a:p>
+            <a:pPr lvl="1"/>
+            <a:r>
+              <a:rPr lang="en-US" dirty="0"/>
+              <a:t>Original problem had 9 nutrient groups and 77 food items</a:t>
+            </a:r>
           </a:p>
         </p:txBody>
       </p:sp>
     </p:spTree>
     <p:extLst>
       <p:ext uri="{BB962C8B-B14F-4D97-AF65-F5344CB8AC3E}">
-        <p14:creationId xmlns:p14="http://schemas.microsoft.com/office/powerpoint/2010/main" val="1590388057"/>
+        <p14:creationId xmlns:p14="http://schemas.microsoft.com/office/powerpoint/2010/main" val="3200297167"/>
       </p:ext>
     </p:extLst>
   </p:cSld>
@@ -2216,82 +2389,12 @@
           <a:chExt cx="0" cy="0"/>
         </a:xfrm>
       </p:grpSpPr>
-      <p:sp>
-        <p:nvSpPr>
-          <p:cNvPr id="2" name="Titre 1">
-            <a:extLst>
-              <a:ext uri="{FF2B5EF4-FFF2-40B4-BE49-F238E27FC236}">
-                <a16:creationId xmlns:a16="http://schemas.microsoft.com/office/drawing/2014/main" id="{B4665F3D-3482-45C2-92D5-F9632E5D4C61}"/>
-              </a:ext>
-            </a:extLst>
-          </p:cNvPr>
-          <p:cNvSpPr>
-            <a:spLocks noGrp="1"/>
-          </p:cNvSpPr>
-          <p:nvPr>
-            <p:ph type="title"/>
-          </p:nvPr>
-        </p:nvSpPr>
-        <p:spPr/>
-        <p:txBody>
-          <a:bodyPr/>
-          <a:lstStyle/>
-          <a:p>
-            <a:r>
-              <a:rPr lang="en-US" dirty="0"/>
-              <a:t>Linear programming</a:t>
-            </a:r>
-          </a:p>
-        </p:txBody>
-      </p:sp>
-      <p:sp>
-        <p:nvSpPr>
-          <p:cNvPr id="3" name="Espace réservé du texte 2">
-            <a:extLst>
-              <a:ext uri="{FF2B5EF4-FFF2-40B4-BE49-F238E27FC236}">
-                <a16:creationId xmlns:a16="http://schemas.microsoft.com/office/drawing/2014/main" id="{AC80119A-3410-42CE-94A4-53FF737BB5A9}"/>
-              </a:ext>
-            </a:extLst>
-          </p:cNvPr>
-          <p:cNvSpPr>
-            <a:spLocks noGrp="1"/>
-          </p:cNvSpPr>
-          <p:nvPr>
-            <p:ph type="body" sz="quarter" idx="10"/>
-          </p:nvPr>
-        </p:nvSpPr>
-        <p:spPr/>
-        <p:txBody>
-          <a:bodyPr/>
-          <a:lstStyle/>
-          <a:p>
-            <a:r>
-              <a:rPr lang="en-US" dirty="0"/>
-              <a:t>Linear objective function, linear constraints</a:t>
-            </a:r>
-          </a:p>
-          <a:p>
-            <a:pPr lvl="1"/>
-            <a:r>
-              <a:rPr lang="en-US" dirty="0"/>
-              <a:t>Stating the problem properly ensures finding global optimum</a:t>
-            </a:r>
-          </a:p>
-          <a:p>
-            <a:pPr lvl="1"/>
-            <a:r>
-              <a:rPr lang="en-US" dirty="0"/>
-              <a:t>Simplex: explore vertices of a polytope (hyper-polygon)</a:t>
-            </a:r>
-          </a:p>
-        </p:txBody>
-      </p:sp>
       <p:pic>
         <p:nvPicPr>
-          <p:cNvPr id="1026" name="Picture 2">
-            <a:extLst>
-              <a:ext uri="{FF2B5EF4-FFF2-40B4-BE49-F238E27FC236}">
-                <a16:creationId xmlns:a16="http://schemas.microsoft.com/office/drawing/2014/main" id="{E0A924C5-DE95-4402-92B0-1174C3712856}"/>
+          <p:cNvPr id="1028" name="Picture 4">
+            <a:extLst>
+              <a:ext uri="{FF2B5EF4-FFF2-40B4-BE49-F238E27FC236}">
+                <a16:creationId xmlns:a16="http://schemas.microsoft.com/office/drawing/2014/main" id="{0E174A00-57F5-4FBE-8A1A-3FF6E15C732B}"/>
               </a:ext>
             </a:extLst>
           </p:cNvPr>
@@ -2315,8 +2418,8 @@
         </p:blipFill>
         <p:spPr bwMode="auto">
           <a:xfrm>
-            <a:off x="2278431" y="3429000"/>
-            <a:ext cx="3294333" cy="2577053"/>
+            <a:off x="7447174" y="3209491"/>
+            <a:ext cx="2889684" cy="2889684"/>
           </a:xfrm>
           <a:prstGeom prst="rect">
             <a:avLst/>
@@ -2333,12 +2436,105 @@
           </a:extLst>
         </p:spPr>
       </p:pic>
+      <p:sp>
+        <p:nvSpPr>
+          <p:cNvPr id="2" name="Titre 1">
+            <a:extLst>
+              <a:ext uri="{FF2B5EF4-FFF2-40B4-BE49-F238E27FC236}">
+                <a16:creationId xmlns:a16="http://schemas.microsoft.com/office/drawing/2014/main" id="{B4665F3D-3482-45C2-92D5-F9632E5D4C61}"/>
+              </a:ext>
+            </a:extLst>
+          </p:cNvPr>
+          <p:cNvSpPr>
+            <a:spLocks noGrp="1"/>
+          </p:cNvSpPr>
+          <p:nvPr>
+            <p:ph type="title"/>
+          </p:nvPr>
+        </p:nvSpPr>
+        <p:spPr/>
+        <p:txBody>
+          <a:bodyPr/>
+          <a:lstStyle/>
+          <a:p>
+            <a:r>
+              <a:rPr lang="en-US" dirty="0"/>
+              <a:t>Linear programming</a:t>
+            </a:r>
+          </a:p>
+        </p:txBody>
+      </p:sp>
+      <p:sp>
+        <p:nvSpPr>
+          <p:cNvPr id="3" name="Espace réservé du texte 2">
+            <a:extLst>
+              <a:ext uri="{FF2B5EF4-FFF2-40B4-BE49-F238E27FC236}">
+                <a16:creationId xmlns:a16="http://schemas.microsoft.com/office/drawing/2014/main" id="{AC80119A-3410-42CE-94A4-53FF737BB5A9}"/>
+              </a:ext>
+            </a:extLst>
+          </p:cNvPr>
+          <p:cNvSpPr>
+            <a:spLocks noGrp="1"/>
+          </p:cNvSpPr>
+          <p:nvPr>
+            <p:ph type="body" sz="quarter" idx="10"/>
+          </p:nvPr>
+        </p:nvSpPr>
+        <p:spPr/>
+        <p:txBody>
+          <a:bodyPr/>
+          <a:lstStyle/>
+          <a:p>
+            <a:r>
+              <a:rPr lang="en-US" dirty="0"/>
+              <a:t>Linear objective function, linear constraints</a:t>
+            </a:r>
+          </a:p>
+          <a:p>
+            <a:pPr lvl="1"/>
+            <a:r>
+              <a:rPr lang="en-US" dirty="0"/>
+              <a:t>Stating the problem properly ensures </a:t>
+            </a:r>
+            <a:r>
+              <a:rPr lang="en-US" b="1" dirty="0"/>
+              <a:t>finding global optimum</a:t>
+            </a:r>
+          </a:p>
+          <a:p>
+            <a:pPr lvl="1"/>
+            <a:r>
+              <a:rPr lang="en-US" b="1" dirty="0"/>
+              <a:t>Simplex</a:t>
+            </a:r>
+            <a:r>
+              <a:rPr lang="en-US" dirty="0"/>
+              <a:t>: explore vertices of a polytope (hyper-polygon)</a:t>
+            </a:r>
+          </a:p>
+          <a:p>
+            <a:pPr lvl="1"/>
+            <a:r>
+              <a:rPr lang="en-US" dirty="0"/>
+              <a:t>Also evaluate </a:t>
+            </a:r>
+            <a:r>
+              <a:rPr lang="en-US" b="1" dirty="0"/>
+              <a:t>feasibility</a:t>
+            </a:r>
+            <a:r>
+              <a:rPr lang="en-US" dirty="0"/>
+              <a:t> of the problem (e.g. no possible solutions)</a:t>
+            </a:r>
+          </a:p>
+        </p:txBody>
+      </p:sp>
       <p:pic>
         <p:nvPicPr>
-          <p:cNvPr id="1028" name="Picture 4">
-            <a:extLst>
-              <a:ext uri="{FF2B5EF4-FFF2-40B4-BE49-F238E27FC236}">
-                <a16:creationId xmlns:a16="http://schemas.microsoft.com/office/drawing/2014/main" id="{0E174A00-57F5-4FBE-8A1A-3FF6E15C732B}"/>
+          <p:cNvPr id="1026" name="Picture 2">
+            <a:extLst>
+              <a:ext uri="{FF2B5EF4-FFF2-40B4-BE49-F238E27FC236}">
+                <a16:creationId xmlns:a16="http://schemas.microsoft.com/office/drawing/2014/main" id="{E0A924C5-DE95-4402-92B0-1174C3712856}"/>
               </a:ext>
             </a:extLst>
           </p:cNvPr>
@@ -2362,8 +2558,8 @@
         </p:blipFill>
         <p:spPr bwMode="auto">
           <a:xfrm>
-            <a:off x="7447174" y="3209491"/>
-            <a:ext cx="2889684" cy="2889684"/>
+            <a:off x="2278431" y="3429000"/>
+            <a:ext cx="3294333" cy="2577053"/>
           </a:xfrm>
           <a:prstGeom prst="rect">
             <a:avLst/>
@@ -2438,460 +2634,205 @@
           </a:p>
         </p:txBody>
       </p:sp>
-      <mc:AlternateContent xmlns:mc="http://schemas.openxmlformats.org/markup-compatibility/2006">
-        <mc:Choice xmlns:a14="http://schemas.microsoft.com/office/drawing/2010/main" Requires="a14">
-          <p:sp>
-            <p:nvSpPr>
-              <p:cNvPr id="3" name="Espace réservé du texte 2">
-                <a:extLst>
-                  <a:ext uri="{FF2B5EF4-FFF2-40B4-BE49-F238E27FC236}">
-                    <a16:creationId xmlns:a16="http://schemas.microsoft.com/office/drawing/2014/main" id="{10AC3BF3-B2C6-49FA-912F-E42F7F2815B2}"/>
-                  </a:ext>
-                </a:extLst>
-              </p:cNvPr>
-              <p:cNvSpPr>
-                <a:spLocks noGrp="1"/>
-              </p:cNvSpPr>
-              <p:nvPr>
-                <p:ph type="body" sz="quarter" idx="10"/>
-              </p:nvPr>
-            </p:nvSpPr>
-            <p:spPr>
-              <a:xfrm>
-                <a:off x="847627" y="1423358"/>
-                <a:ext cx="10515600" cy="4675817"/>
-              </a:xfrm>
-            </p:spPr>
-            <p:txBody>
-              <a:bodyPr>
-                <a:normAutofit/>
-              </a:bodyPr>
-              <a:lstStyle/>
-              <a:p>
-                <a:r>
-                  <a:rPr lang="en-US" dirty="0"/>
-                  <a:t>If constraints and/or objective function are not linear</a:t>
-                </a:r>
-              </a:p>
-              <a:p>
-                <a:r>
-                  <a:rPr lang="en-US" dirty="0"/>
-                  <a:t>Variations of Linear Programming, attempting to linearize</a:t>
-                </a:r>
-              </a:p>
-              <a:p>
-                <a:pPr lvl="1"/>
-                <a:r>
-                  <a:rPr lang="en-US" dirty="0"/>
-                  <a:t>Quadratic Programming</a:t>
-                </a:r>
-              </a:p>
-              <a:p>
-                <a:pPr lvl="1"/>
-                <a:r>
-                  <a:rPr lang="en-US" dirty="0"/>
-                  <a:t>Non-linear Programming</a:t>
-                </a:r>
-              </a:p>
-              <a:p>
-                <a:r>
-                  <a:rPr lang="en-US" dirty="0"/>
-                  <a:t>Other techniques are also usable</a:t>
-                </a:r>
-              </a:p>
-              <a:p>
-                <a:pPr lvl="1"/>
-                <a:r>
-                  <a:rPr lang="en-US" dirty="0"/>
-                  <a:t>Include constraints to objective function as a weighted sum</a:t>
-                </a:r>
-              </a:p>
-              <a:p>
-                <a:pPr lvl="1"/>
-                <a:r>
-                  <a:rPr lang="en-US" dirty="0"/>
-                  <a:t>E.g. </a:t>
-                </a:r>
-                <a14:m>
-                  <m:oMath xmlns:m="http://schemas.openxmlformats.org/officeDocument/2006/math">
-                    <m:sSup>
-                      <m:sSupPr>
-                        <m:ctrlPr>
-                          <a:rPr lang="it-IT" b="0" i="1" smtClean="0">
-                            <a:latin typeface="Cambria Math" panose="02040503050406030204" pitchFamily="18" charset="0"/>
-                          </a:rPr>
-                        </m:ctrlPr>
-                      </m:sSupPr>
-                      <m:e>
-                        <m:r>
-                          <a:rPr lang="it-IT" b="0" i="1" smtClean="0">
-                            <a:latin typeface="Cambria Math" panose="02040503050406030204" pitchFamily="18" charset="0"/>
-                          </a:rPr>
-                          <m:t>𝑓</m:t>
-                        </m:r>
-                      </m:e>
-                      <m:sup>
-                        <m:r>
-                          <a:rPr lang="it-IT" b="0" i="1" smtClean="0">
-                            <a:latin typeface="Cambria Math" panose="02040503050406030204" pitchFamily="18" charset="0"/>
-                          </a:rPr>
-                          <m:t>′</m:t>
-                        </m:r>
-                      </m:sup>
-                    </m:sSup>
-                    <m:d>
-                      <m:dPr>
-                        <m:ctrlPr>
-                          <a:rPr lang="it-IT" b="0" i="1" smtClean="0">
-                            <a:latin typeface="Cambria Math" panose="02040503050406030204" pitchFamily="18" charset="0"/>
-                          </a:rPr>
-                        </m:ctrlPr>
-                      </m:dPr>
-                      <m:e>
-                        <m:r>
-                          <a:rPr lang="it-IT" b="0" i="1" smtClean="0">
-                            <a:latin typeface="Cambria Math" panose="02040503050406030204" pitchFamily="18" charset="0"/>
-                          </a:rPr>
-                          <m:t>𝑥</m:t>
-                        </m:r>
-                      </m:e>
-                    </m:d>
-                    <m:r>
-                      <a:rPr lang="it-IT" b="0" i="1" smtClean="0">
-                        <a:latin typeface="Cambria Math" panose="02040503050406030204" pitchFamily="18" charset="0"/>
-                      </a:rPr>
-                      <m:t>=</m:t>
-                    </m:r>
-                    <m:sSub>
-                      <m:sSubPr>
-                        <m:ctrlPr>
-                          <a:rPr lang="it-IT" b="0" i="1" smtClean="0">
-                            <a:latin typeface="Cambria Math" panose="02040503050406030204" pitchFamily="18" charset="0"/>
-                          </a:rPr>
-                        </m:ctrlPr>
-                      </m:sSubPr>
-                      <m:e>
-                        <m:r>
-                          <a:rPr lang="it-IT" b="0" i="1" smtClean="0">
-                            <a:latin typeface="Cambria Math" panose="02040503050406030204" pitchFamily="18" charset="0"/>
-                          </a:rPr>
-                          <m:t>𝑤</m:t>
-                        </m:r>
-                      </m:e>
-                      <m:sub>
-                        <m:r>
-                          <a:rPr lang="it-IT" b="0" i="1" smtClean="0">
-                            <a:latin typeface="Cambria Math" panose="02040503050406030204" pitchFamily="18" charset="0"/>
-                          </a:rPr>
-                          <m:t>𝑜</m:t>
-                        </m:r>
-                      </m:sub>
-                    </m:sSub>
-                    <m:r>
-                      <a:rPr lang="it-IT" b="0" i="1" smtClean="0">
-                        <a:latin typeface="Cambria Math" panose="02040503050406030204" pitchFamily="18" charset="0"/>
-                      </a:rPr>
-                      <m:t>∗</m:t>
-                    </m:r>
-                    <m:r>
-                      <a:rPr lang="it-IT" b="0" i="1" smtClean="0">
-                        <a:latin typeface="Cambria Math" panose="02040503050406030204" pitchFamily="18" charset="0"/>
-                      </a:rPr>
-                      <m:t>𝑓</m:t>
-                    </m:r>
-                    <m:d>
-                      <m:dPr>
-                        <m:ctrlPr>
-                          <a:rPr lang="it-IT" b="0" i="1" smtClean="0">
-                            <a:latin typeface="Cambria Math" panose="02040503050406030204" pitchFamily="18" charset="0"/>
-                          </a:rPr>
-                        </m:ctrlPr>
-                      </m:dPr>
-                      <m:e>
-                        <m:r>
-                          <a:rPr lang="it-IT" b="0" i="1" smtClean="0">
-                            <a:latin typeface="Cambria Math" panose="02040503050406030204" pitchFamily="18" charset="0"/>
-                          </a:rPr>
-                          <m:t>𝑥</m:t>
-                        </m:r>
-                      </m:e>
-                    </m:d>
-                    <m:r>
-                      <a:rPr lang="it-IT" b="0" i="1" smtClean="0">
-                        <a:latin typeface="Cambria Math" panose="02040503050406030204" pitchFamily="18" charset="0"/>
-                      </a:rPr>
-                      <m:t>+</m:t>
-                    </m:r>
-                    <m:sSub>
-                      <m:sSubPr>
-                        <m:ctrlPr>
-                          <a:rPr lang="it-IT" b="0" i="1" smtClean="0">
-                            <a:latin typeface="Cambria Math" panose="02040503050406030204" pitchFamily="18" charset="0"/>
-                          </a:rPr>
-                        </m:ctrlPr>
-                      </m:sSubPr>
-                      <m:e>
-                        <m:r>
-                          <a:rPr lang="it-IT" b="0" i="1" smtClean="0">
-                            <a:latin typeface="Cambria Math" panose="02040503050406030204" pitchFamily="18" charset="0"/>
-                          </a:rPr>
-                          <m:t>𝑤</m:t>
-                        </m:r>
-                      </m:e>
-                      <m:sub>
-                        <m:r>
-                          <a:rPr lang="it-IT" b="0" i="1" smtClean="0">
-                            <a:latin typeface="Cambria Math" panose="02040503050406030204" pitchFamily="18" charset="0"/>
-                          </a:rPr>
-                          <m:t>1</m:t>
-                        </m:r>
-                      </m:sub>
-                    </m:sSub>
-                    <m:r>
-                      <a:rPr lang="it-IT" b="0" i="1" smtClean="0">
-                        <a:latin typeface="Cambria Math" panose="02040503050406030204" pitchFamily="18" charset="0"/>
-                      </a:rPr>
-                      <m:t>∗</m:t>
-                    </m:r>
-                    <m:sSub>
-                      <m:sSubPr>
-                        <m:ctrlPr>
-                          <a:rPr lang="it-IT" b="0" i="1" smtClean="0">
-                            <a:latin typeface="Cambria Math" panose="02040503050406030204" pitchFamily="18" charset="0"/>
-                          </a:rPr>
-                        </m:ctrlPr>
-                      </m:sSubPr>
-                      <m:e>
-                        <m:r>
-                          <a:rPr lang="it-IT" b="0" i="1" smtClean="0">
-                            <a:latin typeface="Cambria Math" panose="02040503050406030204" pitchFamily="18" charset="0"/>
-                          </a:rPr>
-                          <m:t>𝑐</m:t>
-                        </m:r>
-                        <m:r>
-                          <a:rPr lang="it-IT" b="0" i="1" smtClean="0">
-                            <a:latin typeface="Cambria Math" panose="02040503050406030204" pitchFamily="18" charset="0"/>
-                          </a:rPr>
-                          <m:t>′</m:t>
-                        </m:r>
-                      </m:e>
-                      <m:sub>
-                        <m:r>
-                          <a:rPr lang="it-IT" b="0" i="1" smtClean="0">
-                            <a:latin typeface="Cambria Math" panose="02040503050406030204" pitchFamily="18" charset="0"/>
-                          </a:rPr>
-                          <m:t>1</m:t>
-                        </m:r>
-                      </m:sub>
-                    </m:sSub>
-                    <m:d>
-                      <m:dPr>
-                        <m:ctrlPr>
-                          <a:rPr lang="it-IT" b="0" i="1" smtClean="0">
-                            <a:latin typeface="Cambria Math" panose="02040503050406030204" pitchFamily="18" charset="0"/>
-                          </a:rPr>
-                        </m:ctrlPr>
-                      </m:dPr>
-                      <m:e>
-                        <m:r>
-                          <a:rPr lang="it-IT" b="0" i="1" smtClean="0">
-                            <a:latin typeface="Cambria Math" panose="02040503050406030204" pitchFamily="18" charset="0"/>
-                          </a:rPr>
-                          <m:t>𝑥</m:t>
-                        </m:r>
-                      </m:e>
-                    </m:d>
-                    <m:r>
-                      <a:rPr lang="it-IT" b="0" i="1" smtClean="0">
-                        <a:latin typeface="Cambria Math" panose="02040503050406030204" pitchFamily="18" charset="0"/>
-                      </a:rPr>
-                      <m:t>+</m:t>
-                    </m:r>
-                    <m:sSub>
-                      <m:sSubPr>
-                        <m:ctrlPr>
-                          <a:rPr lang="it-IT" b="0" i="1" smtClean="0">
-                            <a:latin typeface="Cambria Math" panose="02040503050406030204" pitchFamily="18" charset="0"/>
-                          </a:rPr>
-                        </m:ctrlPr>
-                      </m:sSubPr>
-                      <m:e>
-                        <m:r>
-                          <a:rPr lang="it-IT" b="0" i="1" smtClean="0">
-                            <a:latin typeface="Cambria Math" panose="02040503050406030204" pitchFamily="18" charset="0"/>
-                          </a:rPr>
-                          <m:t>𝑤</m:t>
-                        </m:r>
-                      </m:e>
-                      <m:sub>
-                        <m:r>
-                          <a:rPr lang="it-IT" b="0" i="1" smtClean="0">
-                            <a:latin typeface="Cambria Math" panose="02040503050406030204" pitchFamily="18" charset="0"/>
-                          </a:rPr>
-                          <m:t>2</m:t>
-                        </m:r>
-                      </m:sub>
-                    </m:sSub>
-                    <m:r>
-                      <a:rPr lang="it-IT" b="0" i="1" smtClean="0">
-                        <a:latin typeface="Cambria Math" panose="02040503050406030204" pitchFamily="18" charset="0"/>
-                      </a:rPr>
-                      <m:t>∗</m:t>
-                    </m:r>
-                    <m:sSub>
-                      <m:sSubPr>
-                        <m:ctrlPr>
-                          <a:rPr lang="it-IT" b="0" i="1" smtClean="0">
-                            <a:latin typeface="Cambria Math" panose="02040503050406030204" pitchFamily="18" charset="0"/>
-                          </a:rPr>
-                        </m:ctrlPr>
-                      </m:sSubPr>
-                      <m:e>
-                        <m:r>
-                          <a:rPr lang="it-IT" b="0" i="1" smtClean="0">
-                            <a:latin typeface="Cambria Math" panose="02040503050406030204" pitchFamily="18" charset="0"/>
-                          </a:rPr>
-                          <m:t>𝑐</m:t>
-                        </m:r>
-                        <m:r>
-                          <a:rPr lang="it-IT" b="0" i="1" smtClean="0">
-                            <a:latin typeface="Cambria Math" panose="02040503050406030204" pitchFamily="18" charset="0"/>
-                          </a:rPr>
-                          <m:t>′</m:t>
-                        </m:r>
-                      </m:e>
-                      <m:sub>
-                        <m:r>
-                          <a:rPr lang="it-IT" b="0" i="1" smtClean="0">
-                            <a:latin typeface="Cambria Math" panose="02040503050406030204" pitchFamily="18" charset="0"/>
-                          </a:rPr>
-                          <m:t>2</m:t>
-                        </m:r>
-                      </m:sub>
-                    </m:sSub>
-                    <m:d>
-                      <m:dPr>
-                        <m:ctrlPr>
-                          <a:rPr lang="it-IT" b="0" i="1" smtClean="0">
-                            <a:latin typeface="Cambria Math" panose="02040503050406030204" pitchFamily="18" charset="0"/>
-                          </a:rPr>
-                        </m:ctrlPr>
-                      </m:dPr>
-                      <m:e>
-                        <m:r>
-                          <a:rPr lang="it-IT" b="0" i="1" smtClean="0">
-                            <a:latin typeface="Cambria Math" panose="02040503050406030204" pitchFamily="18" charset="0"/>
-                          </a:rPr>
-                          <m:t>𝑥</m:t>
-                        </m:r>
-                      </m:e>
-                    </m:d>
-                    <m:r>
-                      <a:rPr lang="it-IT" b="0" i="1" smtClean="0">
-                        <a:latin typeface="Cambria Math" panose="02040503050406030204" pitchFamily="18" charset="0"/>
-                      </a:rPr>
-                      <m:t>…</m:t>
-                    </m:r>
-                  </m:oMath>
-                </a14:m>
-                <a:endParaRPr lang="en-US" dirty="0"/>
-              </a:p>
-              <a:p>
-                <a:pPr lvl="1"/>
-                <a:r>
-                  <a:rPr lang="en-US" dirty="0"/>
-                  <a:t>Where </a:t>
-                </a:r>
-                <a14:m>
-                  <m:oMath xmlns:m="http://schemas.openxmlformats.org/officeDocument/2006/math">
-                    <m:sSub>
-                      <m:sSubPr>
-                        <m:ctrlPr>
-                          <a:rPr lang="it-IT" b="0" i="1" smtClean="0">
-                            <a:latin typeface="Cambria Math" panose="02040503050406030204" pitchFamily="18" charset="0"/>
-                          </a:rPr>
-                        </m:ctrlPr>
-                      </m:sSubPr>
-                      <m:e>
-                        <m:r>
-                          <a:rPr lang="it-IT" b="0" i="1" smtClean="0">
-                            <a:latin typeface="Cambria Math" panose="02040503050406030204" pitchFamily="18" charset="0"/>
-                          </a:rPr>
-                          <m:t>𝑐</m:t>
-                        </m:r>
-                        <m:r>
-                          <a:rPr lang="it-IT" b="0" i="1" smtClean="0">
-                            <a:latin typeface="Cambria Math" panose="02040503050406030204" pitchFamily="18" charset="0"/>
-                          </a:rPr>
-                          <m:t>′</m:t>
-                        </m:r>
-                      </m:e>
-                      <m:sub>
-                        <m:r>
-                          <a:rPr lang="it-IT" b="0" i="1" smtClean="0">
-                            <a:latin typeface="Cambria Math" panose="02040503050406030204" pitchFamily="18" charset="0"/>
-                          </a:rPr>
-                          <m:t>𝑖</m:t>
-                        </m:r>
-                      </m:sub>
-                    </m:sSub>
-                    <m:r>
-                      <a:rPr lang="it-IT" b="0" i="1" smtClean="0">
-                        <a:latin typeface="Cambria Math" panose="02040503050406030204" pitchFamily="18" charset="0"/>
-                      </a:rPr>
-                      <m:t>=</m:t>
-                    </m:r>
-                  </m:oMath>
-                </a14:m>
-                <a:endParaRPr lang="en-US" dirty="0"/>
-              </a:p>
-            </p:txBody>
-          </p:sp>
-        </mc:Choice>
-        <mc:Fallback>
-          <p:sp>
-            <p:nvSpPr>
-              <p:cNvPr id="3" name="Espace réservé du texte 2">
-                <a:extLst>
-                  <a:ext uri="{FF2B5EF4-FFF2-40B4-BE49-F238E27FC236}">
-                    <a16:creationId xmlns:a16="http://schemas.microsoft.com/office/drawing/2014/main" id="{10AC3BF3-B2C6-49FA-912F-E42F7F2815B2}"/>
-                  </a:ext>
-                </a:extLst>
-              </p:cNvPr>
-              <p:cNvSpPr>
-                <a:spLocks noGrp="1" noRot="1" noChangeAspect="1" noMove="1" noResize="1" noEditPoints="1" noAdjustHandles="1" noChangeArrowheads="1" noChangeShapeType="1" noTextEdit="1"/>
-              </p:cNvSpPr>
-              <p:nvPr>
-                <p:ph type="body" sz="quarter" idx="10"/>
-              </p:nvPr>
-            </p:nvSpPr>
-            <p:spPr>
-              <a:xfrm>
-                <a:off x="847627" y="1423358"/>
-                <a:ext cx="10515600" cy="4675817"/>
-              </a:xfrm>
-              <a:blipFill>
-                <a:blip r:embed="rId2"/>
-                <a:stretch>
-                  <a:fillRect l="-1333" t="-2734"/>
-                </a:stretch>
-              </a:blipFill>
-            </p:spPr>
-            <p:txBody>
-              <a:bodyPr/>
-              <a:lstStyle/>
-              <a:p>
-                <a:r>
-                  <a:rPr lang="en-US">
-                    <a:noFill/>
-                  </a:rPr>
-                  <a:t> </a:t>
-                </a:r>
-              </a:p>
-            </p:txBody>
-          </p:sp>
-        </mc:Fallback>
-      </mc:AlternateContent>
+      <p:sp>
+        <p:nvSpPr>
+          <p:cNvPr id="3" name="Espace réservé du texte 2">
+            <a:extLst>
+              <a:ext uri="{FF2B5EF4-FFF2-40B4-BE49-F238E27FC236}">
+                <a16:creationId xmlns:a16="http://schemas.microsoft.com/office/drawing/2014/main" id="{10AC3BF3-B2C6-49FA-912F-E42F7F2815B2}"/>
+              </a:ext>
+            </a:extLst>
+          </p:cNvPr>
+          <p:cNvSpPr>
+            <a:spLocks noGrp="1"/>
+          </p:cNvSpPr>
+          <p:nvPr>
+            <p:ph type="body" sz="quarter" idx="10"/>
+          </p:nvPr>
+        </p:nvSpPr>
+        <p:spPr>
+          <a:xfrm>
+            <a:off x="847627" y="1423358"/>
+            <a:ext cx="10515600" cy="4675817"/>
+          </a:xfrm>
+        </p:spPr>
+        <p:txBody>
+          <a:bodyPr>
+            <a:normAutofit/>
+          </a:bodyPr>
+          <a:lstStyle/>
+          <a:p>
+            <a:r>
+              <a:rPr lang="en-US" dirty="0"/>
+              <a:t>If constraints and/or objective function are not linear</a:t>
+            </a:r>
+          </a:p>
+          <a:p>
+            <a:r>
+              <a:rPr lang="en-US" dirty="0"/>
+              <a:t>Variations of Linear Programming</a:t>
+            </a:r>
+          </a:p>
+          <a:p>
+            <a:pPr lvl="1"/>
+            <a:r>
+              <a:rPr lang="en-US" dirty="0"/>
+              <a:t>Quadratic Programming</a:t>
+            </a:r>
+          </a:p>
+          <a:p>
+            <a:pPr lvl="1"/>
+            <a:r>
+              <a:rPr lang="en-US" dirty="0"/>
+              <a:t>Non-linear Programming</a:t>
+            </a:r>
+          </a:p>
+          <a:p>
+            <a:r>
+              <a:rPr lang="en-US" dirty="0"/>
+              <a:t>Or convert problem into unconstrained using </a:t>
+            </a:r>
+            <a:r>
+              <a:rPr lang="en-US" b="1" dirty="0"/>
+              <a:t>penalties</a:t>
+            </a:r>
+          </a:p>
+        </p:txBody>
+      </p:sp>
+      <p:pic>
+        <p:nvPicPr>
+          <p:cNvPr id="5" name="Image 4">
+            <a:extLst>
+              <a:ext uri="{FF2B5EF4-FFF2-40B4-BE49-F238E27FC236}">
+                <a16:creationId xmlns:a16="http://schemas.microsoft.com/office/drawing/2014/main" id="{FB799157-19BE-4CE4-8648-F9F1C7303FE0}"/>
+              </a:ext>
+            </a:extLst>
+          </p:cNvPr>
+          <p:cNvPicPr>
+            <a:picLocks noChangeAspect="1"/>
+          </p:cNvPicPr>
+          <p:nvPr/>
+        </p:nvPicPr>
+        <p:blipFill>
+          <a:blip r:embed="rId2"/>
+          <a:stretch>
+            <a:fillRect/>
+          </a:stretch>
+        </p:blipFill>
+        <p:spPr>
+          <a:xfrm>
+            <a:off x="735290" y="4059971"/>
+            <a:ext cx="3072825" cy="1820266"/>
+          </a:xfrm>
+          <a:prstGeom prst="rect">
+            <a:avLst/>
+          </a:prstGeom>
+        </p:spPr>
+      </p:pic>
+      <p:pic>
+        <p:nvPicPr>
+          <p:cNvPr id="7" name="Image 6">
+            <a:extLst>
+              <a:ext uri="{FF2B5EF4-FFF2-40B4-BE49-F238E27FC236}">
+                <a16:creationId xmlns:a16="http://schemas.microsoft.com/office/drawing/2014/main" id="{CC7997B6-7CA4-4817-9904-D4477C734384}"/>
+              </a:ext>
+            </a:extLst>
+          </p:cNvPr>
+          <p:cNvPicPr>
+            <a:picLocks noChangeAspect="1"/>
+          </p:cNvPicPr>
+          <p:nvPr/>
+        </p:nvPicPr>
+        <p:blipFill>
+          <a:blip r:embed="rId3"/>
+          <a:stretch>
+            <a:fillRect/>
+          </a:stretch>
+        </p:blipFill>
+        <p:spPr>
+          <a:xfrm>
+            <a:off x="5445886" y="4737077"/>
+            <a:ext cx="6058746" cy="1143160"/>
+          </a:xfrm>
+          <a:prstGeom prst="rect">
+            <a:avLst/>
+          </a:prstGeom>
+        </p:spPr>
+      </p:pic>
+      <p:pic>
+        <p:nvPicPr>
+          <p:cNvPr id="11" name="Image 10">
+            <a:extLst>
+              <a:ext uri="{FF2B5EF4-FFF2-40B4-BE49-F238E27FC236}">
+                <a16:creationId xmlns:a16="http://schemas.microsoft.com/office/drawing/2014/main" id="{65F02D11-6914-4800-9DE4-024C9FB8195C}"/>
+              </a:ext>
+            </a:extLst>
+          </p:cNvPr>
+          <p:cNvPicPr>
+            <a:picLocks noChangeAspect="1"/>
+          </p:cNvPicPr>
+          <p:nvPr/>
+        </p:nvPicPr>
+        <p:blipFill>
+          <a:blip r:embed="rId4"/>
+          <a:stretch>
+            <a:fillRect/>
+          </a:stretch>
+        </p:blipFill>
+        <p:spPr>
+          <a:xfrm>
+            <a:off x="6212882" y="4112734"/>
+            <a:ext cx="4153480" cy="857370"/>
+          </a:xfrm>
+          <a:prstGeom prst="rect">
+            <a:avLst/>
+          </a:prstGeom>
+        </p:spPr>
+      </p:pic>
+      <p:sp>
+        <p:nvSpPr>
+          <p:cNvPr id="12" name="Flèche : droite 11">
+            <a:extLst>
+              <a:ext uri="{FF2B5EF4-FFF2-40B4-BE49-F238E27FC236}">
+                <a16:creationId xmlns:a16="http://schemas.microsoft.com/office/drawing/2014/main" id="{D113DC37-23B1-4A0D-AB29-743546E57532}"/>
+              </a:ext>
+            </a:extLst>
+          </p:cNvPr>
+          <p:cNvSpPr/>
+          <p:nvPr/>
+        </p:nvSpPr>
+        <p:spPr>
+          <a:xfrm>
+            <a:off x="4440028" y="4628561"/>
+            <a:ext cx="1005858" cy="565608"/>
+          </a:xfrm>
+          <a:prstGeom prst="rightArrow">
+            <a:avLst/>
+          </a:prstGeom>
+        </p:spPr>
+        <p:style>
+          <a:lnRef idx="2">
+            <a:schemeClr val="dk1"/>
+          </a:lnRef>
+          <a:fillRef idx="1">
+            <a:schemeClr val="lt1"/>
+          </a:fillRef>
+          <a:effectRef idx="0">
+            <a:schemeClr val="dk1"/>
+          </a:effectRef>
+          <a:fontRef idx="minor">
+            <a:schemeClr val="dk1"/>
+          </a:fontRef>
+        </p:style>
+        <p:txBody>
+          <a:bodyPr rtlCol="0" anchor="ctr"/>
+          <a:lstStyle/>
+          <a:p>
+            <a:pPr algn="ctr"/>
+            <a:endParaRPr lang="en-US"/>
+          </a:p>
+        </p:txBody>
+      </p:sp>
     </p:spTree>
     <p:extLst>
       <p:ext uri="{BB962C8B-B14F-4D97-AF65-F5344CB8AC3E}">

--- a/optimization-methods-for-artificial-intelligence/optimization-linear-programming.pptx
+++ b/optimization-methods-for-artificial-intelligence/optimization-linear-programming.pptx
@@ -4,14 +4,18 @@
   <p:sldMasterIdLst>
     <p:sldMasterId id="2147483648" r:id="rId1"/>
   </p:sldMasterIdLst>
+  <p:notesMasterIdLst>
+    <p:notesMasterId r:id="rId10"/>
+  </p:notesMasterIdLst>
   <p:sldIdLst>
     <p:sldId id="257" r:id="rId2"/>
     <p:sldId id="258" r:id="rId3"/>
     <p:sldId id="270" r:id="rId4"/>
     <p:sldId id="260" r:id="rId5"/>
     <p:sldId id="259" r:id="rId6"/>
-    <p:sldId id="261" r:id="rId7"/>
-    <p:sldId id="269" r:id="rId8"/>
+    <p:sldId id="271" r:id="rId7"/>
+    <p:sldId id="261" r:id="rId8"/>
+    <p:sldId id="269" r:id="rId9"/>
   </p:sldIdLst>
   <p:sldSz cx="12192000" cy="6858000"/>
   <p:notesSz cx="6858000" cy="9144000"/>
@@ -116,6 +120,443 @@
     </p:ext>
   </p:extLst>
 </p:presentation>
+</file>
+
+<file path=ppt/notesMasters/notesMaster1.xml><?xml version="1.0" encoding="utf-8"?>
+<p:notesMaster xmlns:a="http://schemas.openxmlformats.org/drawingml/2006/main" xmlns:r="http://schemas.openxmlformats.org/officeDocument/2006/relationships" xmlns:p="http://schemas.openxmlformats.org/presentationml/2006/main">
+  <p:cSld>
+    <p:bg>
+      <p:bgRef idx="1001">
+        <a:schemeClr val="bg1"/>
+      </p:bgRef>
+    </p:bg>
+    <p:spTree>
+      <p:nvGrpSpPr>
+        <p:cNvPr id="1" name=""/>
+        <p:cNvGrpSpPr/>
+        <p:nvPr/>
+      </p:nvGrpSpPr>
+      <p:grpSpPr>
+        <a:xfrm>
+          <a:off x="0" y="0"/>
+          <a:ext cx="0" cy="0"/>
+          <a:chOff x="0" y="0"/>
+          <a:chExt cx="0" cy="0"/>
+        </a:xfrm>
+      </p:grpSpPr>
+      <p:sp>
+        <p:nvSpPr>
+          <p:cNvPr id="2" name="Espace réservé de l'en-tête 1"/>
+          <p:cNvSpPr>
+            <a:spLocks noGrp="1"/>
+          </p:cNvSpPr>
+          <p:nvPr>
+            <p:ph type="hdr" sz="quarter"/>
+          </p:nvPr>
+        </p:nvSpPr>
+        <p:spPr>
+          <a:xfrm>
+            <a:off x="0" y="0"/>
+            <a:ext cx="2971800" cy="458788"/>
+          </a:xfrm>
+          <a:prstGeom prst="rect">
+            <a:avLst/>
+          </a:prstGeom>
+        </p:spPr>
+        <p:txBody>
+          <a:bodyPr vert="horz" lIns="91440" tIns="45720" rIns="91440" bIns="45720" rtlCol="0"/>
+          <a:lstStyle>
+            <a:lvl1pPr algn="l">
+              <a:defRPr sz="1200"/>
+            </a:lvl1pPr>
+          </a:lstStyle>
+          <a:p>
+            <a:endParaRPr lang="en-US"/>
+          </a:p>
+        </p:txBody>
+      </p:sp>
+      <p:sp>
+        <p:nvSpPr>
+          <p:cNvPr id="3" name="Espace réservé de la date 2"/>
+          <p:cNvSpPr>
+            <a:spLocks noGrp="1"/>
+          </p:cNvSpPr>
+          <p:nvPr>
+            <p:ph type="dt" idx="1"/>
+          </p:nvPr>
+        </p:nvSpPr>
+        <p:spPr>
+          <a:xfrm>
+            <a:off x="3884613" y="0"/>
+            <a:ext cx="2971800" cy="458788"/>
+          </a:xfrm>
+          <a:prstGeom prst="rect">
+            <a:avLst/>
+          </a:prstGeom>
+        </p:spPr>
+        <p:txBody>
+          <a:bodyPr vert="horz" lIns="91440" tIns="45720" rIns="91440" bIns="45720" rtlCol="0"/>
+          <a:lstStyle>
+            <a:lvl1pPr algn="r">
+              <a:defRPr sz="1200"/>
+            </a:lvl1pPr>
+          </a:lstStyle>
+          <a:p>
+            <a:fld id="{A010A353-159C-46D2-AB10-91EA818A2FA8}" type="datetimeFigureOut">
+              <a:rPr lang="en-US" smtClean="0"/>
+              <a:t>5/23/2024</a:t>
+            </a:fld>
+            <a:endParaRPr lang="en-US"/>
+          </a:p>
+        </p:txBody>
+      </p:sp>
+      <p:sp>
+        <p:nvSpPr>
+          <p:cNvPr id="4" name="Espace réservé de l'image des diapositives 3"/>
+          <p:cNvSpPr>
+            <a:spLocks noGrp="1" noRot="1" noChangeAspect="1"/>
+          </p:cNvSpPr>
+          <p:nvPr>
+            <p:ph type="sldImg" idx="2"/>
+          </p:nvPr>
+        </p:nvSpPr>
+        <p:spPr>
+          <a:xfrm>
+            <a:off x="685800" y="1143000"/>
+            <a:ext cx="5486400" cy="3086100"/>
+          </a:xfrm>
+          <a:prstGeom prst="rect">
+            <a:avLst/>
+          </a:prstGeom>
+          <a:noFill/>
+          <a:ln w="12700">
+            <a:solidFill>
+              <a:prstClr val="black"/>
+            </a:solidFill>
+          </a:ln>
+        </p:spPr>
+        <p:txBody>
+          <a:bodyPr vert="horz" lIns="91440" tIns="45720" rIns="91440" bIns="45720" rtlCol="0" anchor="ctr"/>
+          <a:lstStyle/>
+          <a:p>
+            <a:endParaRPr lang="en-US"/>
+          </a:p>
+        </p:txBody>
+      </p:sp>
+      <p:sp>
+        <p:nvSpPr>
+          <p:cNvPr id="5" name="Espace réservé des notes 4"/>
+          <p:cNvSpPr>
+            <a:spLocks noGrp="1"/>
+          </p:cNvSpPr>
+          <p:nvPr>
+            <p:ph type="body" sz="quarter" idx="3"/>
+          </p:nvPr>
+        </p:nvSpPr>
+        <p:spPr>
+          <a:xfrm>
+            <a:off x="685800" y="4400550"/>
+            <a:ext cx="5486400" cy="3600450"/>
+          </a:xfrm>
+          <a:prstGeom prst="rect">
+            <a:avLst/>
+          </a:prstGeom>
+        </p:spPr>
+        <p:txBody>
+          <a:bodyPr vert="horz" lIns="91440" tIns="45720" rIns="91440" bIns="45720" rtlCol="0"/>
+          <a:lstStyle/>
+          <a:p>
+            <a:pPr lvl="0"/>
+            <a:r>
+              <a:rPr lang="fr-FR"/>
+              <a:t>Cliquez pour modifier les styles du texte du masque</a:t>
+            </a:r>
+          </a:p>
+          <a:p>
+            <a:pPr lvl="1"/>
+            <a:r>
+              <a:rPr lang="fr-FR"/>
+              <a:t>Deuxième niveau</a:t>
+            </a:r>
+          </a:p>
+          <a:p>
+            <a:pPr lvl="2"/>
+            <a:r>
+              <a:rPr lang="fr-FR"/>
+              <a:t>Troisième niveau</a:t>
+            </a:r>
+          </a:p>
+          <a:p>
+            <a:pPr lvl="3"/>
+            <a:r>
+              <a:rPr lang="fr-FR"/>
+              <a:t>Quatrième niveau</a:t>
+            </a:r>
+          </a:p>
+          <a:p>
+            <a:pPr lvl="4"/>
+            <a:r>
+              <a:rPr lang="fr-FR"/>
+              <a:t>Cinquième niveau</a:t>
+            </a:r>
+            <a:endParaRPr lang="en-US"/>
+          </a:p>
+        </p:txBody>
+      </p:sp>
+      <p:sp>
+        <p:nvSpPr>
+          <p:cNvPr id="6" name="Espace réservé du pied de page 5"/>
+          <p:cNvSpPr>
+            <a:spLocks noGrp="1"/>
+          </p:cNvSpPr>
+          <p:nvPr>
+            <p:ph type="ftr" sz="quarter" idx="4"/>
+          </p:nvPr>
+        </p:nvSpPr>
+        <p:spPr>
+          <a:xfrm>
+            <a:off x="0" y="8685213"/>
+            <a:ext cx="2971800" cy="458787"/>
+          </a:xfrm>
+          <a:prstGeom prst="rect">
+            <a:avLst/>
+          </a:prstGeom>
+        </p:spPr>
+        <p:txBody>
+          <a:bodyPr vert="horz" lIns="91440" tIns="45720" rIns="91440" bIns="45720" rtlCol="0" anchor="b"/>
+          <a:lstStyle>
+            <a:lvl1pPr algn="l">
+              <a:defRPr sz="1200"/>
+            </a:lvl1pPr>
+          </a:lstStyle>
+          <a:p>
+            <a:endParaRPr lang="en-US"/>
+          </a:p>
+        </p:txBody>
+      </p:sp>
+      <p:sp>
+        <p:nvSpPr>
+          <p:cNvPr id="7" name="Espace réservé du numéro de diapositive 6"/>
+          <p:cNvSpPr>
+            <a:spLocks noGrp="1"/>
+          </p:cNvSpPr>
+          <p:nvPr>
+            <p:ph type="sldNum" sz="quarter" idx="5"/>
+          </p:nvPr>
+        </p:nvSpPr>
+        <p:spPr>
+          <a:xfrm>
+            <a:off x="3884613" y="8685213"/>
+            <a:ext cx="2971800" cy="458787"/>
+          </a:xfrm>
+          <a:prstGeom prst="rect">
+            <a:avLst/>
+          </a:prstGeom>
+        </p:spPr>
+        <p:txBody>
+          <a:bodyPr vert="horz" lIns="91440" tIns="45720" rIns="91440" bIns="45720" rtlCol="0" anchor="b"/>
+          <a:lstStyle>
+            <a:lvl1pPr algn="r">
+              <a:defRPr sz="1200"/>
+            </a:lvl1pPr>
+          </a:lstStyle>
+          <a:p>
+            <a:fld id="{8CAEDF7F-6BC7-4428-A327-52A3ABFBF585}" type="slidenum">
+              <a:rPr lang="en-US" smtClean="0"/>
+              <a:t>‹N°›</a:t>
+            </a:fld>
+            <a:endParaRPr lang="en-US"/>
+          </a:p>
+        </p:txBody>
+      </p:sp>
+    </p:spTree>
+    <p:extLst>
+      <p:ext uri="{BB962C8B-B14F-4D97-AF65-F5344CB8AC3E}">
+        <p14:creationId xmlns:p14="http://schemas.microsoft.com/office/powerpoint/2010/main" val="262623521"/>
+      </p:ext>
+    </p:extLst>
+  </p:cSld>
+  <p:clrMap bg1="lt1" tx1="dk1" bg2="lt2" tx2="dk2" accent1="accent1" accent2="accent2" accent3="accent3" accent4="accent4" accent5="accent5" accent6="accent6" hlink="hlink" folHlink="folHlink"/>
+  <p:notesStyle>
+    <a:lvl1pPr marL="0" algn="l" defTabSz="914400" rtl="0" eaLnBrk="1" latinLnBrk="0" hangingPunct="1">
+      <a:defRPr sz="1200" kern="1200">
+        <a:solidFill>
+          <a:schemeClr val="tx1"/>
+        </a:solidFill>
+        <a:latin typeface="+mn-lt"/>
+        <a:ea typeface="+mn-ea"/>
+        <a:cs typeface="+mn-cs"/>
+      </a:defRPr>
+    </a:lvl1pPr>
+    <a:lvl2pPr marL="457200" algn="l" defTabSz="914400" rtl="0" eaLnBrk="1" latinLnBrk="0" hangingPunct="1">
+      <a:defRPr sz="1200" kern="1200">
+        <a:solidFill>
+          <a:schemeClr val="tx1"/>
+        </a:solidFill>
+        <a:latin typeface="+mn-lt"/>
+        <a:ea typeface="+mn-ea"/>
+        <a:cs typeface="+mn-cs"/>
+      </a:defRPr>
+    </a:lvl2pPr>
+    <a:lvl3pPr marL="914400" algn="l" defTabSz="914400" rtl="0" eaLnBrk="1" latinLnBrk="0" hangingPunct="1">
+      <a:defRPr sz="1200" kern="1200">
+        <a:solidFill>
+          <a:schemeClr val="tx1"/>
+        </a:solidFill>
+        <a:latin typeface="+mn-lt"/>
+        <a:ea typeface="+mn-ea"/>
+        <a:cs typeface="+mn-cs"/>
+      </a:defRPr>
+    </a:lvl3pPr>
+    <a:lvl4pPr marL="1371600" algn="l" defTabSz="914400" rtl="0" eaLnBrk="1" latinLnBrk="0" hangingPunct="1">
+      <a:defRPr sz="1200" kern="1200">
+        <a:solidFill>
+          <a:schemeClr val="tx1"/>
+        </a:solidFill>
+        <a:latin typeface="+mn-lt"/>
+        <a:ea typeface="+mn-ea"/>
+        <a:cs typeface="+mn-cs"/>
+      </a:defRPr>
+    </a:lvl4pPr>
+    <a:lvl5pPr marL="1828800" algn="l" defTabSz="914400" rtl="0" eaLnBrk="1" latinLnBrk="0" hangingPunct="1">
+      <a:defRPr sz="1200" kern="1200">
+        <a:solidFill>
+          <a:schemeClr val="tx1"/>
+        </a:solidFill>
+        <a:latin typeface="+mn-lt"/>
+        <a:ea typeface="+mn-ea"/>
+        <a:cs typeface="+mn-cs"/>
+      </a:defRPr>
+    </a:lvl5pPr>
+    <a:lvl6pPr marL="2286000" algn="l" defTabSz="914400" rtl="0" eaLnBrk="1" latinLnBrk="0" hangingPunct="1">
+      <a:defRPr sz="1200" kern="1200">
+        <a:solidFill>
+          <a:schemeClr val="tx1"/>
+        </a:solidFill>
+        <a:latin typeface="+mn-lt"/>
+        <a:ea typeface="+mn-ea"/>
+        <a:cs typeface="+mn-cs"/>
+      </a:defRPr>
+    </a:lvl6pPr>
+    <a:lvl7pPr marL="2743200" algn="l" defTabSz="914400" rtl="0" eaLnBrk="1" latinLnBrk="0" hangingPunct="1">
+      <a:defRPr sz="1200" kern="1200">
+        <a:solidFill>
+          <a:schemeClr val="tx1"/>
+        </a:solidFill>
+        <a:latin typeface="+mn-lt"/>
+        <a:ea typeface="+mn-ea"/>
+        <a:cs typeface="+mn-cs"/>
+      </a:defRPr>
+    </a:lvl7pPr>
+    <a:lvl8pPr marL="3200400" algn="l" defTabSz="914400" rtl="0" eaLnBrk="1" latinLnBrk="0" hangingPunct="1">
+      <a:defRPr sz="1200" kern="1200">
+        <a:solidFill>
+          <a:schemeClr val="tx1"/>
+        </a:solidFill>
+        <a:latin typeface="+mn-lt"/>
+        <a:ea typeface="+mn-ea"/>
+        <a:cs typeface="+mn-cs"/>
+      </a:defRPr>
+    </a:lvl8pPr>
+    <a:lvl9pPr marL="3657600" algn="l" defTabSz="914400" rtl="0" eaLnBrk="1" latinLnBrk="0" hangingPunct="1">
+      <a:defRPr sz="1200" kern="1200">
+        <a:solidFill>
+          <a:schemeClr val="tx1"/>
+        </a:solidFill>
+        <a:latin typeface="+mn-lt"/>
+        <a:ea typeface="+mn-ea"/>
+        <a:cs typeface="+mn-cs"/>
+      </a:defRPr>
+    </a:lvl9pPr>
+  </p:notesStyle>
+</p:notesMaster>
+</file>
+
+<file path=ppt/notesSlides/notesSlide1.xml><?xml version="1.0" encoding="utf-8"?>
+<p:notes xmlns:a="http://schemas.openxmlformats.org/drawingml/2006/main" xmlns:r="http://schemas.openxmlformats.org/officeDocument/2006/relationships" xmlns:p="http://schemas.openxmlformats.org/presentationml/2006/main">
+  <p:cSld>
+    <p:spTree>
+      <p:nvGrpSpPr>
+        <p:cNvPr id="1" name=""/>
+        <p:cNvGrpSpPr/>
+        <p:nvPr/>
+      </p:nvGrpSpPr>
+      <p:grpSpPr>
+        <a:xfrm>
+          <a:off x="0" y="0"/>
+          <a:ext cx="0" cy="0"/>
+          <a:chOff x="0" y="0"/>
+          <a:chExt cx="0" cy="0"/>
+        </a:xfrm>
+      </p:grpSpPr>
+      <p:sp>
+        <p:nvSpPr>
+          <p:cNvPr id="2" name="Espace réservé de l'image des diapositives 1"/>
+          <p:cNvSpPr>
+            <a:spLocks noGrp="1" noRot="1" noChangeAspect="1"/>
+          </p:cNvSpPr>
+          <p:nvPr>
+            <p:ph type="sldImg"/>
+          </p:nvPr>
+        </p:nvSpPr>
+        <p:spPr/>
+      </p:sp>
+      <p:sp>
+        <p:nvSpPr>
+          <p:cNvPr id="3" name="Espace réservé des notes 2"/>
+          <p:cNvSpPr>
+            <a:spLocks noGrp="1"/>
+          </p:cNvSpPr>
+          <p:nvPr>
+            <p:ph type="body" idx="1"/>
+          </p:nvPr>
+        </p:nvSpPr>
+        <p:spPr/>
+        <p:txBody>
+          <a:bodyPr/>
+          <a:lstStyle/>
+          <a:p>
+            <a:r>
+              <a:rPr lang="en-US" dirty="0"/>
+              <a:t>Worst-case scenario: super-exponential; average-case scenario: polynomial</a:t>
+            </a:r>
+          </a:p>
+        </p:txBody>
+      </p:sp>
+      <p:sp>
+        <p:nvSpPr>
+          <p:cNvPr id="4" name="Espace réservé du numéro de diapositive 3"/>
+          <p:cNvSpPr>
+            <a:spLocks noGrp="1"/>
+          </p:cNvSpPr>
+          <p:nvPr>
+            <p:ph type="sldNum" sz="quarter" idx="5"/>
+          </p:nvPr>
+        </p:nvSpPr>
+        <p:spPr/>
+        <p:txBody>
+          <a:bodyPr/>
+          <a:lstStyle/>
+          <a:p>
+            <a:fld id="{8CAEDF7F-6BC7-4428-A327-52A3ABFBF585}" type="slidenum">
+              <a:rPr lang="en-US" smtClean="0"/>
+              <a:t>5</a:t>
+            </a:fld>
+            <a:endParaRPr lang="en-US"/>
+          </a:p>
+        </p:txBody>
+      </p:sp>
+    </p:spTree>
+    <p:extLst>
+      <p:ext uri="{BB962C8B-B14F-4D97-AF65-F5344CB8AC3E}">
+        <p14:creationId xmlns:p14="http://schemas.microsoft.com/office/powerpoint/2010/main" val="603780432"/>
+      </p:ext>
+    </p:extLst>
+  </p:cSld>
+  <p:clrMapOvr>
+    <a:masterClrMapping/>
+  </p:clrMapOvr>
+</p:notes>
 </file>
 
 <file path=ppt/slideLayouts/slideLayout1.xml><?xml version="1.0" encoding="utf-8"?>
@@ -2404,7 +2845,7 @@
           <p:nvPr/>
         </p:nvPicPr>
         <p:blipFill>
-          <a:blip r:embed="rId2">
+          <a:blip r:embed="rId3">
             <a:extLst>
               <a:ext uri="{28A0092B-C50C-407E-A947-70E740481C1C}">
                 <a14:useLocalDpi xmlns:a14="http://schemas.microsoft.com/office/drawing/2010/main" val="0"/>
@@ -2544,7 +2985,7 @@
           <p:nvPr/>
         </p:nvPicPr>
         <p:blipFill>
-          <a:blip r:embed="rId3">
+          <a:blip r:embed="rId4">
             <a:extLst>
               <a:ext uri="{28A0092B-C50C-407E-A947-70E740481C1C}">
                 <a14:useLocalDpi xmlns:a14="http://schemas.microsoft.com/office/drawing/2010/main" val="0"/>
@@ -2611,6 +3052,632 @@
           <p:cNvPr id="2" name="Titre 1">
             <a:extLst>
               <a:ext uri="{FF2B5EF4-FFF2-40B4-BE49-F238E27FC236}">
+                <a16:creationId xmlns:a16="http://schemas.microsoft.com/office/drawing/2014/main" id="{A195D193-F4CB-49CE-B9E0-E45B0A225C4D}"/>
+              </a:ext>
+            </a:extLst>
+          </p:cNvPr>
+          <p:cNvSpPr>
+            <a:spLocks noGrp="1"/>
+          </p:cNvSpPr>
+          <p:nvPr>
+            <p:ph type="title"/>
+          </p:nvPr>
+        </p:nvSpPr>
+        <p:spPr/>
+        <p:txBody>
+          <a:bodyPr/>
+          <a:lstStyle/>
+          <a:p>
+            <a:r>
+              <a:rPr lang="en-US" dirty="0"/>
+              <a:t>Linear programming</a:t>
+            </a:r>
+          </a:p>
+        </p:txBody>
+      </p:sp>
+      <mc:AlternateContent xmlns:mc="http://schemas.openxmlformats.org/markup-compatibility/2006" xmlns:a14="http://schemas.microsoft.com/office/drawing/2010/main">
+        <mc:Choice Requires="a14">
+          <p:sp>
+            <p:nvSpPr>
+              <p:cNvPr id="3" name="Espace réservé du texte 2">
+                <a:extLst>
+                  <a:ext uri="{FF2B5EF4-FFF2-40B4-BE49-F238E27FC236}">
+                    <a16:creationId xmlns:a16="http://schemas.microsoft.com/office/drawing/2014/main" id="{5AEE71E5-5BC7-499C-889B-BE415BD31CE8}"/>
+                  </a:ext>
+                </a:extLst>
+              </p:cNvPr>
+              <p:cNvSpPr>
+                <a:spLocks noGrp="1"/>
+              </p:cNvSpPr>
+              <p:nvPr>
+                <p:ph type="body" sz="quarter" idx="10"/>
+              </p:nvPr>
+            </p:nvSpPr>
+            <p:spPr>
+              <a:xfrm>
+                <a:off x="838200" y="1423358"/>
+                <a:ext cx="5627216" cy="4675817"/>
+              </a:xfrm>
+            </p:spPr>
+            <p:txBody>
+              <a:bodyPr/>
+              <a:lstStyle/>
+              <a:p>
+                <a:r>
+                  <a:rPr lang="en-US" dirty="0"/>
+                  <a:t>Example for 2 variables</a:t>
+                </a:r>
+              </a:p>
+              <a:p>
+                <a:pPr marL="0" indent="0">
+                  <a:buNone/>
+                </a:pPr>
+                <a:endParaRPr lang="en-US" dirty="0"/>
+              </a:p>
+              <a:p>
+                <a:pPr marL="0" indent="0">
+                  <a:buNone/>
+                </a:pPr>
+                <a:r>
+                  <a:rPr lang="en-US" dirty="0"/>
+                  <a:t>maximize </a:t>
+                </a:r>
+                <a14:m>
+                  <m:oMath xmlns:m="http://schemas.openxmlformats.org/officeDocument/2006/math">
+                    <m:sSub>
+                      <m:sSubPr>
+                        <m:ctrlPr>
+                          <a:rPr lang="it-IT" b="0" i="1" smtClean="0">
+                            <a:latin typeface="Cambria Math" panose="02040503050406030204" pitchFamily="18" charset="0"/>
+                          </a:rPr>
+                        </m:ctrlPr>
+                      </m:sSubPr>
+                      <m:e>
+                        <m:r>
+                          <a:rPr lang="it-IT" b="0" i="1" smtClean="0">
+                            <a:latin typeface="Cambria Math" panose="02040503050406030204" pitchFamily="18" charset="0"/>
+                          </a:rPr>
+                          <m:t>𝑓</m:t>
+                        </m:r>
+                        <m:d>
+                          <m:dPr>
+                            <m:ctrlPr>
+                              <a:rPr lang="it-IT" b="0" i="1" smtClean="0">
+                                <a:latin typeface="Cambria Math" panose="02040503050406030204" pitchFamily="18" charset="0"/>
+                              </a:rPr>
+                            </m:ctrlPr>
+                          </m:dPr>
+                          <m:e>
+                            <m:sSub>
+                              <m:sSubPr>
+                                <m:ctrlPr>
+                                  <a:rPr lang="it-IT" b="0" i="1" smtClean="0">
+                                    <a:latin typeface="Cambria Math" panose="02040503050406030204" pitchFamily="18" charset="0"/>
+                                  </a:rPr>
+                                </m:ctrlPr>
+                              </m:sSubPr>
+                              <m:e>
+                                <m:r>
+                                  <a:rPr lang="it-IT" b="0" i="1" smtClean="0">
+                                    <a:latin typeface="Cambria Math" panose="02040503050406030204" pitchFamily="18" charset="0"/>
+                                  </a:rPr>
+                                  <m:t>𝑥</m:t>
+                                </m:r>
+                              </m:e>
+                              <m:sub>
+                                <m:r>
+                                  <a:rPr lang="it-IT" b="0" i="1" smtClean="0">
+                                    <a:latin typeface="Cambria Math" panose="02040503050406030204" pitchFamily="18" charset="0"/>
+                                  </a:rPr>
+                                  <m:t>1</m:t>
+                                </m:r>
+                              </m:sub>
+                            </m:sSub>
+                            <m:r>
+                              <a:rPr lang="it-IT" b="0" i="1" smtClean="0">
+                                <a:latin typeface="Cambria Math" panose="02040503050406030204" pitchFamily="18" charset="0"/>
+                              </a:rPr>
+                              <m:t>,</m:t>
+                            </m:r>
+                            <m:sSub>
+                              <m:sSubPr>
+                                <m:ctrlPr>
+                                  <a:rPr lang="it-IT" b="0" i="1" smtClean="0">
+                                    <a:latin typeface="Cambria Math" panose="02040503050406030204" pitchFamily="18" charset="0"/>
+                                  </a:rPr>
+                                </m:ctrlPr>
+                              </m:sSubPr>
+                              <m:e>
+                                <m:r>
+                                  <a:rPr lang="it-IT" b="0" i="1" smtClean="0">
+                                    <a:latin typeface="Cambria Math" panose="02040503050406030204" pitchFamily="18" charset="0"/>
+                                  </a:rPr>
+                                  <m:t>𝑥</m:t>
+                                </m:r>
+                              </m:e>
+                              <m:sub>
+                                <m:r>
+                                  <a:rPr lang="it-IT" b="0" i="1" smtClean="0">
+                                    <a:latin typeface="Cambria Math" panose="02040503050406030204" pitchFamily="18" charset="0"/>
+                                  </a:rPr>
+                                  <m:t>2</m:t>
+                                </m:r>
+                              </m:sub>
+                            </m:sSub>
+                          </m:e>
+                        </m:d>
+                        <m:r>
+                          <a:rPr lang="it-IT" b="0" i="1" smtClean="0">
+                            <a:latin typeface="Cambria Math" panose="02040503050406030204" pitchFamily="18" charset="0"/>
+                          </a:rPr>
+                          <m:t>=</m:t>
+                        </m:r>
+                        <m:r>
+                          <a:rPr lang="it-IT" b="0" i="1" smtClean="0">
+                            <a:latin typeface="Cambria Math" panose="02040503050406030204" pitchFamily="18" charset="0"/>
+                          </a:rPr>
+                          <m:t>𝑥</m:t>
+                        </m:r>
+                      </m:e>
+                      <m:sub>
+                        <m:r>
+                          <a:rPr lang="it-IT" b="0" i="1" smtClean="0">
+                            <a:latin typeface="Cambria Math" panose="02040503050406030204" pitchFamily="18" charset="0"/>
+                          </a:rPr>
+                          <m:t>1</m:t>
+                        </m:r>
+                      </m:sub>
+                    </m:sSub>
+                    <m:r>
+                      <a:rPr lang="it-IT" b="0" i="1" smtClean="0">
+                        <a:latin typeface="Cambria Math" panose="02040503050406030204" pitchFamily="18" charset="0"/>
+                      </a:rPr>
+                      <m:t>+</m:t>
+                    </m:r>
+                    <m:sSub>
+                      <m:sSubPr>
+                        <m:ctrlPr>
+                          <a:rPr lang="it-IT" b="0" i="1" smtClean="0">
+                            <a:latin typeface="Cambria Math" panose="02040503050406030204" pitchFamily="18" charset="0"/>
+                          </a:rPr>
+                        </m:ctrlPr>
+                      </m:sSubPr>
+                      <m:e>
+                        <m:r>
+                          <a:rPr lang="it-IT" b="0" i="1" smtClean="0">
+                            <a:latin typeface="Cambria Math" panose="02040503050406030204" pitchFamily="18" charset="0"/>
+                          </a:rPr>
+                          <m:t>𝑥</m:t>
+                        </m:r>
+                      </m:e>
+                      <m:sub>
+                        <m:r>
+                          <a:rPr lang="it-IT" b="0" i="1" smtClean="0">
+                            <a:latin typeface="Cambria Math" panose="02040503050406030204" pitchFamily="18" charset="0"/>
+                          </a:rPr>
+                          <m:t>2</m:t>
+                        </m:r>
+                      </m:sub>
+                    </m:sSub>
+                  </m:oMath>
+                </a14:m>
+                <a:endParaRPr lang="it-IT" b="0" dirty="0"/>
+              </a:p>
+              <a:p>
+                <a:pPr marL="0" indent="0">
+                  <a:buNone/>
+                </a:pPr>
+                <a14:m>
+                  <m:oMathPara xmlns:m="http://schemas.openxmlformats.org/officeDocument/2006/math">
+                    <m:oMathParaPr>
+                      <m:jc m:val="centerGroup"/>
+                    </m:oMathParaPr>
+                    <m:oMath xmlns:m="http://schemas.openxmlformats.org/officeDocument/2006/math">
+                      <m:sSub>
+                        <m:sSubPr>
+                          <m:ctrlPr>
+                            <a:rPr lang="it-IT" b="0" i="1" smtClean="0">
+                              <a:latin typeface="Cambria Math" panose="02040503050406030204" pitchFamily="18" charset="0"/>
+                            </a:rPr>
+                          </m:ctrlPr>
+                        </m:sSubPr>
+                        <m:e>
+                          <m:r>
+                            <a:rPr lang="it-IT" b="0" i="1" smtClean="0">
+                              <a:latin typeface="Cambria Math" panose="02040503050406030204" pitchFamily="18" charset="0"/>
+                            </a:rPr>
+                            <m:t>𝑥</m:t>
+                          </m:r>
+                        </m:e>
+                        <m:sub>
+                          <m:r>
+                            <a:rPr lang="it-IT" b="0" i="1" smtClean="0">
+                              <a:latin typeface="Cambria Math" panose="02040503050406030204" pitchFamily="18" charset="0"/>
+                            </a:rPr>
+                            <m:t>1</m:t>
+                          </m:r>
+                        </m:sub>
+                      </m:sSub>
+                      <m:r>
+                        <a:rPr lang="it-IT" b="0" i="1" smtClean="0">
+                          <a:latin typeface="Cambria Math" panose="02040503050406030204" pitchFamily="18" charset="0"/>
+                          <a:ea typeface="Cambria Math" panose="02040503050406030204" pitchFamily="18" charset="0"/>
+                        </a:rPr>
+                        <m:t>∈</m:t>
+                      </m:r>
+                      <m:d>
+                        <m:dPr>
+                          <m:begChr m:val="["/>
+                          <m:endChr m:val="]"/>
+                          <m:ctrlPr>
+                            <a:rPr lang="it-IT" b="0" i="1" smtClean="0">
+                              <a:latin typeface="Cambria Math" panose="02040503050406030204" pitchFamily="18" charset="0"/>
+                              <a:ea typeface="Cambria Math" panose="02040503050406030204" pitchFamily="18" charset="0"/>
+                            </a:rPr>
+                          </m:ctrlPr>
+                        </m:dPr>
+                        <m:e>
+                          <m:r>
+                            <a:rPr lang="it-IT" b="0" i="1" smtClean="0">
+                              <a:latin typeface="Cambria Math" panose="02040503050406030204" pitchFamily="18" charset="0"/>
+                              <a:ea typeface="Cambria Math" panose="02040503050406030204" pitchFamily="18" charset="0"/>
+                            </a:rPr>
+                            <m:t>0,6</m:t>
+                          </m:r>
+                        </m:e>
+                      </m:d>
+                      <m:r>
+                        <a:rPr lang="it-IT" b="0" i="1" smtClean="0">
+                          <a:latin typeface="Cambria Math" panose="02040503050406030204" pitchFamily="18" charset="0"/>
+                          <a:ea typeface="Cambria Math" panose="02040503050406030204" pitchFamily="18" charset="0"/>
+                        </a:rPr>
+                        <m:t>;</m:t>
+                      </m:r>
+                      <m:sSub>
+                        <m:sSubPr>
+                          <m:ctrlPr>
+                            <a:rPr lang="it-IT" b="0" i="1" smtClean="0">
+                              <a:latin typeface="Cambria Math" panose="02040503050406030204" pitchFamily="18" charset="0"/>
+                              <a:ea typeface="Cambria Math" panose="02040503050406030204" pitchFamily="18" charset="0"/>
+                            </a:rPr>
+                          </m:ctrlPr>
+                        </m:sSubPr>
+                        <m:e>
+                          <m:r>
+                            <a:rPr lang="it-IT" b="0" i="1" smtClean="0">
+                              <a:latin typeface="Cambria Math" panose="02040503050406030204" pitchFamily="18" charset="0"/>
+                              <a:ea typeface="Cambria Math" panose="02040503050406030204" pitchFamily="18" charset="0"/>
+                            </a:rPr>
+                            <m:t>𝑥</m:t>
+                          </m:r>
+                        </m:e>
+                        <m:sub>
+                          <m:r>
+                            <a:rPr lang="it-IT" b="0" i="1" smtClean="0">
+                              <a:latin typeface="Cambria Math" panose="02040503050406030204" pitchFamily="18" charset="0"/>
+                              <a:ea typeface="Cambria Math" panose="02040503050406030204" pitchFamily="18" charset="0"/>
+                            </a:rPr>
+                            <m:t>2</m:t>
+                          </m:r>
+                        </m:sub>
+                      </m:sSub>
+                      <m:r>
+                        <a:rPr lang="it-IT" b="0" i="1" smtClean="0">
+                          <a:latin typeface="Cambria Math" panose="02040503050406030204" pitchFamily="18" charset="0"/>
+                          <a:ea typeface="Cambria Math" panose="02040503050406030204" pitchFamily="18" charset="0"/>
+                        </a:rPr>
+                        <m:t>∈[0,6]</m:t>
+                      </m:r>
+                    </m:oMath>
+                  </m:oMathPara>
+                </a14:m>
+                <a:endParaRPr lang="it-IT" b="0" i="1" dirty="0">
+                  <a:latin typeface="Cambria Math" panose="02040503050406030204" pitchFamily="18" charset="0"/>
+                </a:endParaRPr>
+              </a:p>
+              <a:p>
+                <a:pPr marL="0" indent="0">
+                  <a:buNone/>
+                </a:pPr>
+                <a14:m>
+                  <m:oMathPara xmlns:m="http://schemas.openxmlformats.org/officeDocument/2006/math">
+                    <m:oMathParaPr>
+                      <m:jc m:val="centerGroup"/>
+                    </m:oMathParaPr>
+                    <m:oMath xmlns:m="http://schemas.openxmlformats.org/officeDocument/2006/math">
+                      <m:r>
+                        <a:rPr lang="it-IT" b="0" i="1" smtClean="0">
+                          <a:latin typeface="Cambria Math" panose="02040503050406030204" pitchFamily="18" charset="0"/>
+                        </a:rPr>
+                        <m:t>2</m:t>
+                      </m:r>
+                      <m:sSub>
+                        <m:sSubPr>
+                          <m:ctrlPr>
+                            <a:rPr lang="it-IT" b="0" i="1" smtClean="0">
+                              <a:latin typeface="Cambria Math" panose="02040503050406030204" pitchFamily="18" charset="0"/>
+                            </a:rPr>
+                          </m:ctrlPr>
+                        </m:sSubPr>
+                        <m:e>
+                          <m:r>
+                            <a:rPr lang="it-IT" b="0" i="1" smtClean="0">
+                              <a:latin typeface="Cambria Math" panose="02040503050406030204" pitchFamily="18" charset="0"/>
+                            </a:rPr>
+                            <m:t>𝑥</m:t>
+                          </m:r>
+                        </m:e>
+                        <m:sub>
+                          <m:r>
+                            <a:rPr lang="it-IT" b="0" i="1" smtClean="0">
+                              <a:latin typeface="Cambria Math" panose="02040503050406030204" pitchFamily="18" charset="0"/>
+                            </a:rPr>
+                            <m:t>1</m:t>
+                          </m:r>
+                        </m:sub>
+                      </m:sSub>
+                      <m:r>
+                        <a:rPr lang="it-IT" b="0" i="1" smtClean="0">
+                          <a:latin typeface="Cambria Math" panose="02040503050406030204" pitchFamily="18" charset="0"/>
+                        </a:rPr>
+                        <m:t>+3</m:t>
+                      </m:r>
+                      <m:sSub>
+                        <m:sSubPr>
+                          <m:ctrlPr>
+                            <a:rPr lang="it-IT" b="0" i="1" smtClean="0">
+                              <a:latin typeface="Cambria Math" panose="02040503050406030204" pitchFamily="18" charset="0"/>
+                            </a:rPr>
+                          </m:ctrlPr>
+                        </m:sSubPr>
+                        <m:e>
+                          <m:r>
+                            <a:rPr lang="it-IT" b="0" i="1" smtClean="0">
+                              <a:latin typeface="Cambria Math" panose="02040503050406030204" pitchFamily="18" charset="0"/>
+                            </a:rPr>
+                            <m:t>𝑥</m:t>
+                          </m:r>
+                        </m:e>
+                        <m:sub>
+                          <m:r>
+                            <a:rPr lang="it-IT" b="0" i="1" smtClean="0">
+                              <a:latin typeface="Cambria Math" panose="02040503050406030204" pitchFamily="18" charset="0"/>
+                            </a:rPr>
+                            <m:t>2</m:t>
+                          </m:r>
+                        </m:sub>
+                      </m:sSub>
+                      <m:r>
+                        <a:rPr lang="it-IT" b="0" i="1" smtClean="0">
+                          <a:latin typeface="Cambria Math" panose="02040503050406030204" pitchFamily="18" charset="0"/>
+                          <a:ea typeface="Cambria Math" panose="02040503050406030204" pitchFamily="18" charset="0"/>
+                        </a:rPr>
+                        <m:t>≤12</m:t>
+                      </m:r>
+                    </m:oMath>
+                  </m:oMathPara>
+                </a14:m>
+                <a:endParaRPr lang="it-IT" b="0" dirty="0"/>
+              </a:p>
+              <a:p>
+                <a:pPr marL="0" indent="0">
+                  <a:buNone/>
+                </a:pPr>
+                <a14:m>
+                  <m:oMathPara xmlns:m="http://schemas.openxmlformats.org/officeDocument/2006/math">
+                    <m:oMathParaPr>
+                      <m:jc m:val="centerGroup"/>
+                    </m:oMathParaPr>
+                    <m:oMath xmlns:m="http://schemas.openxmlformats.org/officeDocument/2006/math">
+                      <m:r>
+                        <a:rPr lang="it-IT" b="0" i="1" smtClean="0">
+                          <a:latin typeface="Cambria Math" panose="02040503050406030204" pitchFamily="18" charset="0"/>
+                        </a:rPr>
+                        <m:t>2</m:t>
+                      </m:r>
+                      <m:sSub>
+                        <m:sSubPr>
+                          <m:ctrlPr>
+                            <a:rPr lang="it-IT" b="0" i="1" smtClean="0">
+                              <a:latin typeface="Cambria Math" panose="02040503050406030204" pitchFamily="18" charset="0"/>
+                            </a:rPr>
+                          </m:ctrlPr>
+                        </m:sSubPr>
+                        <m:e>
+                          <m:r>
+                            <a:rPr lang="it-IT" b="0" i="1" smtClean="0">
+                              <a:latin typeface="Cambria Math" panose="02040503050406030204" pitchFamily="18" charset="0"/>
+                            </a:rPr>
+                            <m:t>𝑥</m:t>
+                          </m:r>
+                        </m:e>
+                        <m:sub>
+                          <m:r>
+                            <a:rPr lang="it-IT" b="0" i="1" smtClean="0">
+                              <a:latin typeface="Cambria Math" panose="02040503050406030204" pitchFamily="18" charset="0"/>
+                            </a:rPr>
+                            <m:t>1</m:t>
+                          </m:r>
+                        </m:sub>
+                      </m:sSub>
+                      <m:r>
+                        <a:rPr lang="it-IT" b="0" i="1" smtClean="0">
+                          <a:latin typeface="Cambria Math" panose="02040503050406030204" pitchFamily="18" charset="0"/>
+                        </a:rPr>
+                        <m:t>+</m:t>
+                      </m:r>
+                      <m:sSub>
+                        <m:sSubPr>
+                          <m:ctrlPr>
+                            <a:rPr lang="it-IT" b="0" i="1" smtClean="0">
+                              <a:latin typeface="Cambria Math" panose="02040503050406030204" pitchFamily="18" charset="0"/>
+                            </a:rPr>
+                          </m:ctrlPr>
+                        </m:sSubPr>
+                        <m:e>
+                          <m:r>
+                            <a:rPr lang="it-IT" b="0" i="1" smtClean="0">
+                              <a:latin typeface="Cambria Math" panose="02040503050406030204" pitchFamily="18" charset="0"/>
+                            </a:rPr>
+                            <m:t>𝑥</m:t>
+                          </m:r>
+                        </m:e>
+                        <m:sub>
+                          <m:r>
+                            <a:rPr lang="it-IT" b="0" i="1" smtClean="0">
+                              <a:latin typeface="Cambria Math" panose="02040503050406030204" pitchFamily="18" charset="0"/>
+                            </a:rPr>
+                            <m:t>2</m:t>
+                          </m:r>
+                        </m:sub>
+                      </m:sSub>
+                      <m:r>
+                        <a:rPr lang="it-IT" b="0" i="1" smtClean="0">
+                          <a:latin typeface="Cambria Math" panose="02040503050406030204" pitchFamily="18" charset="0"/>
+                          <a:ea typeface="Cambria Math" panose="02040503050406030204" pitchFamily="18" charset="0"/>
+                        </a:rPr>
+                        <m:t>≤6</m:t>
+                      </m:r>
+                    </m:oMath>
+                  </m:oMathPara>
+                </a14:m>
+                <a:endParaRPr lang="it-IT" b="0" dirty="0"/>
+              </a:p>
+              <a:p>
+                <a:pPr marL="0" indent="0">
+                  <a:buNone/>
+                </a:pPr>
+                <a:endParaRPr lang="en-US" dirty="0"/>
+              </a:p>
+            </p:txBody>
+          </p:sp>
+        </mc:Choice>
+        <mc:Fallback xmlns="">
+          <p:sp>
+            <p:nvSpPr>
+              <p:cNvPr id="3" name="Espace réservé du texte 2">
+                <a:extLst>
+                  <a:ext uri="{FF2B5EF4-FFF2-40B4-BE49-F238E27FC236}">
+                    <a16:creationId xmlns:a16="http://schemas.microsoft.com/office/drawing/2014/main" id="{5AEE71E5-5BC7-499C-889B-BE415BD31CE8}"/>
+                  </a:ext>
+                </a:extLst>
+              </p:cNvPr>
+              <p:cNvSpPr>
+                <a:spLocks noGrp="1" noRot="1" noChangeAspect="1" noMove="1" noResize="1" noEditPoints="1" noAdjustHandles="1" noChangeArrowheads="1" noChangeShapeType="1" noTextEdit="1"/>
+              </p:cNvSpPr>
+              <p:nvPr>
+                <p:ph type="body" sz="quarter" idx="10"/>
+              </p:nvPr>
+            </p:nvSpPr>
+            <p:spPr>
+              <a:xfrm>
+                <a:off x="838200" y="1423358"/>
+                <a:ext cx="5627216" cy="4675817"/>
+              </a:xfrm>
+              <a:blipFill>
+                <a:blip r:embed="rId2"/>
+                <a:stretch>
+                  <a:fillRect l="-2817" t="-2734"/>
+                </a:stretch>
+              </a:blipFill>
+            </p:spPr>
+            <p:txBody>
+              <a:bodyPr/>
+              <a:lstStyle/>
+              <a:p>
+                <a:r>
+                  <a:rPr lang="en-US">
+                    <a:noFill/>
+                  </a:rPr>
+                  <a:t> </a:t>
+                </a:r>
+              </a:p>
+            </p:txBody>
+          </p:sp>
+        </mc:Fallback>
+      </mc:AlternateContent>
+      <p:pic>
+        <p:nvPicPr>
+          <p:cNvPr id="1026" name="Picture 2">
+            <a:extLst>
+              <a:ext uri="{FF2B5EF4-FFF2-40B4-BE49-F238E27FC236}">
+                <a16:creationId xmlns:a16="http://schemas.microsoft.com/office/drawing/2014/main" id="{A474EAEF-C0E7-4431-AF3D-A27734335606}"/>
+              </a:ext>
+            </a:extLst>
+          </p:cNvPr>
+          <p:cNvPicPr>
+            <a:picLocks noChangeAspect="1" noChangeArrowheads="1"/>
+          </p:cNvPicPr>
+          <p:nvPr/>
+        </p:nvPicPr>
+        <p:blipFill>
+          <a:blip r:embed="rId3">
+            <a:extLst>
+              <a:ext uri="{28A0092B-C50C-407E-A947-70E740481C1C}">
+                <a14:useLocalDpi xmlns:a14="http://schemas.microsoft.com/office/drawing/2010/main" val="0"/>
+              </a:ext>
+            </a:extLst>
+          </a:blip>
+          <a:srcRect/>
+          <a:stretch>
+            <a:fillRect/>
+          </a:stretch>
+        </p:blipFill>
+        <p:spPr bwMode="auto">
+          <a:xfrm>
+            <a:off x="6179070" y="1423358"/>
+            <a:ext cx="5627216" cy="4675817"/>
+          </a:xfrm>
+          <a:prstGeom prst="rect">
+            <a:avLst/>
+          </a:prstGeom>
+          <a:noFill/>
+          <a:extLst>
+            <a:ext uri="{909E8E84-426E-40DD-AFC4-6F175D3DCCD1}">
+              <a14:hiddenFill xmlns:a14="http://schemas.microsoft.com/office/drawing/2010/main">
+                <a:solidFill>
+                  <a:srgbClr val="FFFFFF"/>
+                </a:solidFill>
+              </a14:hiddenFill>
+            </a:ext>
+          </a:extLst>
+        </p:spPr>
+      </p:pic>
+    </p:spTree>
+    <p:extLst>
+      <p:ext uri="{BB962C8B-B14F-4D97-AF65-F5344CB8AC3E}">
+        <p14:creationId xmlns:p14="http://schemas.microsoft.com/office/powerpoint/2010/main" val="1358701321"/>
+      </p:ext>
+    </p:extLst>
+  </p:cSld>
+  <p:clrMapOvr>
+    <a:masterClrMapping/>
+  </p:clrMapOvr>
+</p:sld>
+</file>
+
+<file path=ppt/slides/slide7.xml><?xml version="1.0" encoding="utf-8"?>
+<p:sld xmlns:a="http://schemas.openxmlformats.org/drawingml/2006/main" xmlns:r="http://schemas.openxmlformats.org/officeDocument/2006/relationships" xmlns:p="http://schemas.openxmlformats.org/presentationml/2006/main">
+  <p:cSld>
+    <p:spTree>
+      <p:nvGrpSpPr>
+        <p:cNvPr id="1" name=""/>
+        <p:cNvGrpSpPr/>
+        <p:nvPr/>
+      </p:nvGrpSpPr>
+      <p:grpSpPr>
+        <a:xfrm>
+          <a:off x="0" y="0"/>
+          <a:ext cx="0" cy="0"/>
+          <a:chOff x="0" y="0"/>
+          <a:chExt cx="0" cy="0"/>
+        </a:xfrm>
+      </p:grpSpPr>
+      <p:sp>
+        <p:nvSpPr>
+          <p:cNvPr id="2" name="Titre 1">
+            <a:extLst>
+              <a:ext uri="{FF2B5EF4-FFF2-40B4-BE49-F238E27FC236}">
                 <a16:creationId xmlns:a16="http://schemas.microsoft.com/office/drawing/2014/main" id="{6B60BB44-01A2-4A3D-9297-39E228AF1CB3}"/>
               </a:ext>
             </a:extLst>
@@ -2846,7 +3913,7 @@
 </p:sld>
 </file>
 
-<file path=ppt/slides/slide7.xml><?xml version="1.0" encoding="utf-8"?>
+<file path=ppt/slides/slide8.xml><?xml version="1.0" encoding="utf-8"?>
 <p:sld xmlns:a="http://schemas.openxmlformats.org/drawingml/2006/main" xmlns:r="http://schemas.openxmlformats.org/officeDocument/2006/relationships" xmlns:p="http://schemas.openxmlformats.org/presentationml/2006/main">
   <p:cSld>
     <p:spTree>
@@ -3333,4 +4400,299 @@
     </a:ext>
   </a:extLst>
 </a:theme>
+</file>
+
+<file path=ppt/theme/theme2.xml><?xml version="1.0" encoding="utf-8"?>
+<a:theme xmlns:a="http://schemas.openxmlformats.org/drawingml/2006/main" name="Thème Office">
+  <a:themeElements>
+    <a:clrScheme name="Office">
+      <a:dk1>
+        <a:sysClr val="windowText" lastClr="000000"/>
+      </a:dk1>
+      <a:lt1>
+        <a:sysClr val="window" lastClr="FFFFFF"/>
+      </a:lt1>
+      <a:dk2>
+        <a:srgbClr val="44546A"/>
+      </a:dk2>
+      <a:lt2>
+        <a:srgbClr val="E7E6E6"/>
+      </a:lt2>
+      <a:accent1>
+        <a:srgbClr val="4472C4"/>
+      </a:accent1>
+      <a:accent2>
+        <a:srgbClr val="ED7D31"/>
+      </a:accent2>
+      <a:accent3>
+        <a:srgbClr val="A5A5A5"/>
+      </a:accent3>
+      <a:accent4>
+        <a:srgbClr val="FFC000"/>
+      </a:accent4>
+      <a:accent5>
+        <a:srgbClr val="5B9BD5"/>
+      </a:accent5>
+      <a:accent6>
+        <a:srgbClr val="70AD47"/>
+      </a:accent6>
+      <a:hlink>
+        <a:srgbClr val="0563C1"/>
+      </a:hlink>
+      <a:folHlink>
+        <a:srgbClr val="954F72"/>
+      </a:folHlink>
+    </a:clrScheme>
+    <a:fontScheme name="Office">
+      <a:majorFont>
+        <a:latin typeface="Calibri Light" panose="020F0302020204030204"/>
+        <a:ea typeface=""/>
+        <a:cs typeface=""/>
+        <a:font script="Jpan" typeface="游ゴシック Light"/>
+        <a:font script="Hang" typeface="맑은 고딕"/>
+        <a:font script="Hans" typeface="等线 Light"/>
+        <a:font script="Hant" typeface="新細明體"/>
+        <a:font script="Arab" typeface="Times New Roman"/>
+        <a:font script="Hebr" typeface="Times New Roman"/>
+        <a:font script="Thai" typeface="Angsana New"/>
+        <a:font script="Ethi" typeface="Nyala"/>
+        <a:font script="Beng" typeface="Vrinda"/>
+        <a:font script="Gujr" typeface="Shruti"/>
+        <a:font script="Khmr" typeface="MoolBoran"/>
+        <a:font script="Knda" typeface="Tunga"/>
+        <a:font script="Guru" typeface="Raavi"/>
+        <a:font script="Cans" typeface="Euphemia"/>
+        <a:font script="Cher" typeface="Plantagenet Cherokee"/>
+        <a:font script="Yiii" typeface="Microsoft Yi Baiti"/>
+        <a:font script="Tibt" typeface="Microsoft Himalaya"/>
+        <a:font script="Thaa" typeface="MV Boli"/>
+        <a:font script="Deva" typeface="Mangal"/>
+        <a:font script="Telu" typeface="Gautami"/>
+        <a:font script="Taml" typeface="Latha"/>
+        <a:font script="Syrc" typeface="Estrangelo Edessa"/>
+        <a:font script="Orya" typeface="Kalinga"/>
+        <a:font script="Mlym" typeface="Kartika"/>
+        <a:font script="Laoo" typeface="DokChampa"/>
+        <a:font script="Sinh" typeface="Iskoola Pota"/>
+        <a:font script="Mong" typeface="Mongolian Baiti"/>
+        <a:font script="Viet" typeface="Times New Roman"/>
+        <a:font script="Uigh" typeface="Microsoft Uighur"/>
+        <a:font script="Geor" typeface="Sylfaen"/>
+        <a:font script="Armn" typeface="Arial"/>
+        <a:font script="Bugi" typeface="Leelawadee UI"/>
+        <a:font script="Bopo" typeface="Microsoft JhengHei"/>
+        <a:font script="Java" typeface="Javanese Text"/>
+        <a:font script="Lisu" typeface="Segoe UI"/>
+        <a:font script="Mymr" typeface="Myanmar Text"/>
+        <a:font script="Nkoo" typeface="Ebrima"/>
+        <a:font script="Olck" typeface="Nirmala UI"/>
+        <a:font script="Osma" typeface="Ebrima"/>
+        <a:font script="Phag" typeface="Phagspa"/>
+        <a:font script="Syrn" typeface="Estrangelo Edessa"/>
+        <a:font script="Syrj" typeface="Estrangelo Edessa"/>
+        <a:font script="Syre" typeface="Estrangelo Edessa"/>
+        <a:font script="Sora" typeface="Nirmala UI"/>
+        <a:font script="Tale" typeface="Microsoft Tai Le"/>
+        <a:font script="Talu" typeface="Microsoft New Tai Lue"/>
+        <a:font script="Tfng" typeface="Ebrima"/>
+      </a:majorFont>
+      <a:minorFont>
+        <a:latin typeface="Calibri" panose="020F0502020204030204"/>
+        <a:ea typeface=""/>
+        <a:cs typeface=""/>
+        <a:font script="Jpan" typeface="游ゴシック"/>
+        <a:font script="Hang" typeface="맑은 고딕"/>
+        <a:font script="Hans" typeface="等线"/>
+        <a:font script="Hant" typeface="新細明體"/>
+        <a:font script="Arab" typeface="Arial"/>
+        <a:font script="Hebr" typeface="Arial"/>
+        <a:font script="Thai" typeface="Cordia New"/>
+        <a:font script="Ethi" typeface="Nyala"/>
+        <a:font script="Beng" typeface="Vrinda"/>
+        <a:font script="Gujr" typeface="Shruti"/>
+        <a:font script="Khmr" typeface="DaunPenh"/>
+        <a:font script="Knda" typeface="Tunga"/>
+        <a:font script="Guru" typeface="Raavi"/>
+        <a:font script="Cans" typeface="Euphemia"/>
+        <a:font script="Cher" typeface="Plantagenet Cherokee"/>
+        <a:font script="Yiii" typeface="Microsoft Yi Baiti"/>
+        <a:font script="Tibt" typeface="Microsoft Himalaya"/>
+        <a:font script="Thaa" typeface="MV Boli"/>
+        <a:font script="Deva" typeface="Mangal"/>
+        <a:font script="Telu" typeface="Gautami"/>
+        <a:font script="Taml" typeface="Latha"/>
+        <a:font script="Syrc" typeface="Estrangelo Edessa"/>
+        <a:font script="Orya" typeface="Kalinga"/>
+        <a:font script="Mlym" typeface="Kartika"/>
+        <a:font script="Laoo" typeface="DokChampa"/>
+        <a:font script="Sinh" typeface="Iskoola Pota"/>
+        <a:font script="Mong" typeface="Mongolian Baiti"/>
+        <a:font script="Viet" typeface="Arial"/>
+        <a:font script="Uigh" typeface="Microsoft Uighur"/>
+        <a:font script="Geor" typeface="Sylfaen"/>
+        <a:font script="Armn" typeface="Arial"/>
+        <a:font script="Bugi" typeface="Leelawadee UI"/>
+        <a:font script="Bopo" typeface="Microsoft JhengHei"/>
+        <a:font script="Java" typeface="Javanese Text"/>
+        <a:font script="Lisu" typeface="Segoe UI"/>
+        <a:font script="Mymr" typeface="Myanmar Text"/>
+        <a:font script="Nkoo" typeface="Ebrima"/>
+        <a:font script="Olck" typeface="Nirmala UI"/>
+        <a:font script="Osma" typeface="Ebrima"/>
+        <a:font script="Phag" typeface="Phagspa"/>
+        <a:font script="Syrn" typeface="Estrangelo Edessa"/>
+        <a:font script="Syrj" typeface="Estrangelo Edessa"/>
+        <a:font script="Syre" typeface="Estrangelo Edessa"/>
+        <a:font script="Sora" typeface="Nirmala UI"/>
+        <a:font script="Tale" typeface="Microsoft Tai Le"/>
+        <a:font script="Talu" typeface="Microsoft New Tai Lue"/>
+        <a:font script="Tfng" typeface="Ebrima"/>
+      </a:minorFont>
+    </a:fontScheme>
+    <a:fmtScheme name="Office">
+      <a:fillStyleLst>
+        <a:solidFill>
+          <a:schemeClr val="phClr"/>
+        </a:solidFill>
+        <a:gradFill rotWithShape="1">
+          <a:gsLst>
+            <a:gs pos="0">
+              <a:schemeClr val="phClr">
+                <a:lumMod val="110000"/>
+                <a:satMod val="105000"/>
+                <a:tint val="67000"/>
+              </a:schemeClr>
+            </a:gs>
+            <a:gs pos="50000">
+              <a:schemeClr val="phClr">
+                <a:lumMod val="105000"/>
+                <a:satMod val="103000"/>
+                <a:tint val="73000"/>
+              </a:schemeClr>
+            </a:gs>
+            <a:gs pos="100000">
+              <a:schemeClr val="phClr">
+                <a:lumMod val="105000"/>
+                <a:satMod val="109000"/>
+                <a:tint val="81000"/>
+              </a:schemeClr>
+            </a:gs>
+          </a:gsLst>
+          <a:lin ang="5400000" scaled="0"/>
+        </a:gradFill>
+        <a:gradFill rotWithShape="1">
+          <a:gsLst>
+            <a:gs pos="0">
+              <a:schemeClr val="phClr">
+                <a:satMod val="103000"/>
+                <a:lumMod val="102000"/>
+                <a:tint val="94000"/>
+              </a:schemeClr>
+            </a:gs>
+            <a:gs pos="50000">
+              <a:schemeClr val="phClr">
+                <a:satMod val="110000"/>
+                <a:lumMod val="100000"/>
+                <a:shade val="100000"/>
+              </a:schemeClr>
+            </a:gs>
+            <a:gs pos="100000">
+              <a:schemeClr val="phClr">
+                <a:lumMod val="99000"/>
+                <a:satMod val="120000"/>
+                <a:shade val="78000"/>
+              </a:schemeClr>
+            </a:gs>
+          </a:gsLst>
+          <a:lin ang="5400000" scaled="0"/>
+        </a:gradFill>
+      </a:fillStyleLst>
+      <a:lnStyleLst>
+        <a:ln w="6350" cap="flat" cmpd="sng" algn="ctr">
+          <a:solidFill>
+            <a:schemeClr val="phClr"/>
+          </a:solidFill>
+          <a:prstDash val="solid"/>
+          <a:miter lim="800000"/>
+        </a:ln>
+        <a:ln w="12700" cap="flat" cmpd="sng" algn="ctr">
+          <a:solidFill>
+            <a:schemeClr val="phClr"/>
+          </a:solidFill>
+          <a:prstDash val="solid"/>
+          <a:miter lim="800000"/>
+        </a:ln>
+        <a:ln w="19050" cap="flat" cmpd="sng" algn="ctr">
+          <a:solidFill>
+            <a:schemeClr val="phClr"/>
+          </a:solidFill>
+          <a:prstDash val="solid"/>
+          <a:miter lim="800000"/>
+        </a:ln>
+      </a:lnStyleLst>
+      <a:effectStyleLst>
+        <a:effectStyle>
+          <a:effectLst/>
+        </a:effectStyle>
+        <a:effectStyle>
+          <a:effectLst/>
+        </a:effectStyle>
+        <a:effectStyle>
+          <a:effectLst>
+            <a:outerShdw blurRad="57150" dist="19050" dir="5400000" algn="ctr" rotWithShape="0">
+              <a:srgbClr val="000000">
+                <a:alpha val="63000"/>
+              </a:srgbClr>
+            </a:outerShdw>
+          </a:effectLst>
+        </a:effectStyle>
+      </a:effectStyleLst>
+      <a:bgFillStyleLst>
+        <a:solidFill>
+          <a:schemeClr val="phClr"/>
+        </a:solidFill>
+        <a:solidFill>
+          <a:schemeClr val="phClr">
+            <a:tint val="95000"/>
+            <a:satMod val="170000"/>
+          </a:schemeClr>
+        </a:solidFill>
+        <a:gradFill rotWithShape="1">
+          <a:gsLst>
+            <a:gs pos="0">
+              <a:schemeClr val="phClr">
+                <a:tint val="93000"/>
+                <a:satMod val="150000"/>
+                <a:shade val="98000"/>
+                <a:lumMod val="102000"/>
+              </a:schemeClr>
+            </a:gs>
+            <a:gs pos="50000">
+              <a:schemeClr val="phClr">
+                <a:tint val="98000"/>
+                <a:satMod val="130000"/>
+                <a:shade val="90000"/>
+                <a:lumMod val="103000"/>
+              </a:schemeClr>
+            </a:gs>
+            <a:gs pos="100000">
+              <a:schemeClr val="phClr">
+                <a:shade val="63000"/>
+                <a:satMod val="120000"/>
+              </a:schemeClr>
+            </a:gs>
+          </a:gsLst>
+          <a:lin ang="5400000" scaled="0"/>
+        </a:gradFill>
+      </a:bgFillStyleLst>
+    </a:fmtScheme>
+  </a:themeElements>
+  <a:objectDefaults/>
+  <a:extraClrSchemeLst/>
+  <a:extLst>
+    <a:ext uri="{05A4C25C-085E-4340-85A3-A5531E510DB2}">
+      <thm15:themeFamily xmlns:thm15="http://schemas.microsoft.com/office/thememl/2012/main" name="Office Theme" id="{62F939B6-93AF-4DB8-9C6B-D6C7DFDC589F}" vid="{4A3C46E8-61CC-4603-A589-7422A47A8E4A}"/>
+    </a:ext>
+  </a:extLst>
+</a:theme>
 </file>
--- a/optimization-methods-for-artificial-intelligence/optimization-linear-programming.pptx
+++ b/optimization-methods-for-artificial-intelligence/optimization-linear-programming.pptx
@@ -204,7 +204,7 @@
           <a:p>
             <a:fld id="{A010A353-159C-46D2-AB10-91EA818A2FA8}" type="datetimeFigureOut">
               <a:rPr lang="en-US" smtClean="0"/>
-              <a:t>5/23/2024</a:t>
+              <a:t>4/1/2025</a:t>
             </a:fld>
             <a:endParaRPr lang="en-US"/>
           </a:p>
@@ -2253,8 +2253,8 @@
         </p:nvSpPr>
         <p:spPr>
           <a:xfrm>
-            <a:off x="2401842" y="1985871"/>
-            <a:ext cx="9249687" cy="3106438"/>
+            <a:off x="2401843" y="1985871"/>
+            <a:ext cx="8335288" cy="3106438"/>
           </a:xfrm>
         </p:spPr>
         <p:txBody>
@@ -2265,7 +2265,7 @@
           <a:p>
             <a:r>
               <a:rPr lang="it-IT" sz="7200" dirty="0"/>
-              <a:t>Constrained optimization and linear programming</a:t>
+              <a:t>Constrained Optimization and Linear Programming</a:t>
             </a:r>
             <a:endParaRPr lang="fr-FR" sz="7200" dirty="0"/>
           </a:p>
